--- a/commentary_on_updates.pptx
+++ b/commentary_on_updates.pptx
@@ -10,11 +10,12 @@
     <p:sldId id="259" r:id="rId4"/>
     <p:sldId id="258" r:id="rId5"/>
     <p:sldId id="260" r:id="rId6"/>
-    <p:sldId id="262" r:id="rId7"/>
-    <p:sldId id="261" r:id="rId8"/>
+    <p:sldId id="261" r:id="rId7"/>
+    <p:sldId id="262" r:id="rId8"/>
     <p:sldId id="264" r:id="rId9"/>
     <p:sldId id="265" r:id="rId10"/>
-    <p:sldId id="263" r:id="rId11"/>
+    <p:sldId id="266" r:id="rId11"/>
+    <p:sldId id="263" r:id="rId12"/>
   </p:sldIdLst>
   <p:sldSz cx="12192000" cy="6858000"/>
   <p:notesSz cx="6858000" cy="9144000"/>
@@ -3396,13 +3397,41 @@
         </p:nvSpPr>
         <p:spPr/>
         <p:txBody>
-          <a:bodyPr/>
+          <a:bodyPr>
+            <a:normAutofit lnSpcReduction="10000"/>
+          </a:bodyPr>
           <a:lstStyle/>
           <a:p>
             <a:r>
               <a:rPr lang="en-US" dirty="0"/>
               <a:t>Code re-run</a:t>
             </a:r>
+          </a:p>
+          <a:p>
+            <a:endParaRPr lang="en-US" dirty="0"/>
+          </a:p>
+          <a:p>
+            <a:r>
+              <a:rPr lang="en-US" dirty="0"/>
+              <a:t>https://</a:t>
+            </a:r>
+            <a:r>
+              <a:rPr lang="en-US" dirty="0" err="1"/>
+              <a:t>github.com</a:t>
+            </a:r>
+            <a:r>
+              <a:rPr lang="en-US" dirty="0"/>
+              <a:t>/zweiss22/</a:t>
+            </a:r>
+            <a:r>
+              <a:rPr lang="en-US" dirty="0" err="1"/>
+              <a:t>proj-population_dynamics_ligase</a:t>
+            </a:r>
+            <a:r>
+              <a:rPr lang="en-US"/>
+              <a:t>/tree/main</a:t>
+            </a:r>
+            <a:endParaRPr lang="en-US" dirty="0"/>
           </a:p>
         </p:txBody>
       </p:sp>
@@ -3436,6 +3465,140 @@
           <a:chExt cx="0" cy="0"/>
         </a:xfrm>
       </p:grpSpPr>
+      <p:pic>
+        <p:nvPicPr>
+          <p:cNvPr id="4" name="Picture 3">
+            <a:extLst>
+              <a:ext uri="{FF2B5EF4-FFF2-40B4-BE49-F238E27FC236}">
+                <a16:creationId xmlns:a16="http://schemas.microsoft.com/office/drawing/2014/main" id="{04A8C11D-EA83-B25E-A1B0-EA0F366FC7BC}"/>
+              </a:ext>
+            </a:extLst>
+          </p:cNvPr>
+          <p:cNvPicPr>
+            <a:picLocks noChangeAspect="1"/>
+          </p:cNvPicPr>
+          <p:nvPr/>
+        </p:nvPicPr>
+        <p:blipFill>
+          <a:blip r:embed="rId2"/>
+          <a:stretch>
+            <a:fillRect/>
+          </a:stretch>
+        </p:blipFill>
+        <p:spPr>
+          <a:xfrm>
+            <a:off x="2528957" y="1965739"/>
+            <a:ext cx="7772400" cy="3740921"/>
+          </a:xfrm>
+          <a:prstGeom prst="rect">
+            <a:avLst/>
+          </a:prstGeom>
+        </p:spPr>
+      </p:pic>
+      <p:sp>
+        <p:nvSpPr>
+          <p:cNvPr id="5" name="Title 1">
+            <a:extLst>
+              <a:ext uri="{FF2B5EF4-FFF2-40B4-BE49-F238E27FC236}">
+                <a16:creationId xmlns:a16="http://schemas.microsoft.com/office/drawing/2014/main" id="{2EB85AF6-47D3-3615-E17F-D66A9113CE4C}"/>
+              </a:ext>
+            </a:extLst>
+          </p:cNvPr>
+          <p:cNvSpPr txBox="1">
+            <a:spLocks/>
+          </p:cNvSpPr>
+          <p:nvPr/>
+        </p:nvSpPr>
+        <p:spPr>
+          <a:xfrm>
+            <a:off x="545921" y="367950"/>
+            <a:ext cx="10515600" cy="1860400"/>
+          </a:xfrm>
+          <a:prstGeom prst="rect">
+            <a:avLst/>
+          </a:prstGeom>
+        </p:spPr>
+        <p:txBody>
+          <a:bodyPr vert="horz" lIns="91440" tIns="45720" rIns="91440" bIns="45720" rtlCol="0" anchor="ctr">
+            <a:normAutofit fontScale="97500"/>
+          </a:bodyPr>
+          <a:lstStyle>
+            <a:lvl1pPr algn="l" defTabSz="914400" rtl="0" eaLnBrk="1" latinLnBrk="0" hangingPunct="1">
+              <a:lnSpc>
+                <a:spcPct val="90000"/>
+              </a:lnSpc>
+              <a:spcBef>
+                <a:spcPct val="0"/>
+              </a:spcBef>
+              <a:buNone/>
+              <a:defRPr sz="4400" kern="1200">
+                <a:solidFill>
+                  <a:schemeClr val="tx1"/>
+                </a:solidFill>
+                <a:latin typeface="+mj-lt"/>
+                <a:ea typeface="+mj-ea"/>
+                <a:cs typeface="+mj-cs"/>
+              </a:defRPr>
+            </a:lvl1pPr>
+          </a:lstStyle>
+          <a:p>
+            <a:r>
+              <a:rPr lang="en-US" sz="2900" dirty="0"/>
+              <a:t>Code: https://</a:t>
+            </a:r>
+            <a:r>
+              <a:rPr lang="en-US" sz="2900" dirty="0" err="1"/>
+              <a:t>github.com</a:t>
+            </a:r>
+            <a:r>
+              <a:rPr lang="en-US" sz="2900" dirty="0"/>
+              <a:t>/zweiss22/</a:t>
+            </a:r>
+            <a:r>
+              <a:rPr lang="en-US" sz="2900" dirty="0" err="1"/>
+              <a:t>proj-population_dynamics_ligase</a:t>
+            </a:r>
+            <a:r>
+              <a:rPr lang="en-US" sz="2900" dirty="0"/>
+              <a:t>/blob/main/scripts/050-doped_selection/003_alternative_bps.py</a:t>
+            </a:r>
+            <a:br>
+              <a:rPr lang="en-US" sz="2900" dirty="0"/>
+            </a:br>
+            <a:endParaRPr lang="en-US" sz="2900" dirty="0"/>
+          </a:p>
+        </p:txBody>
+      </p:sp>
+    </p:spTree>
+    <p:extLst>
+      <p:ext uri="{BB962C8B-B14F-4D97-AF65-F5344CB8AC3E}">
+        <p14:creationId xmlns:p14="http://schemas.microsoft.com/office/powerpoint/2010/main" val="693826690"/>
+      </p:ext>
+    </p:extLst>
+  </p:cSld>
+  <p:clrMapOvr>
+    <a:masterClrMapping/>
+  </p:clrMapOvr>
+</p:sld>
+</file>
+
+<file path=ppt/slides/slide11.xml><?xml version="1.0" encoding="utf-8"?>
+<p:sld xmlns:a="http://schemas.openxmlformats.org/drawingml/2006/main" xmlns:r="http://schemas.openxmlformats.org/officeDocument/2006/relationships" xmlns:p="http://schemas.openxmlformats.org/presentationml/2006/main">
+  <p:cSld>
+    <p:spTree>
+      <p:nvGrpSpPr>
+        <p:cNvPr id="1" name=""/>
+        <p:cNvGrpSpPr/>
+        <p:nvPr/>
+      </p:nvGrpSpPr>
+      <p:grpSpPr>
+        <a:xfrm>
+          <a:off x="0" y="0"/>
+          <a:ext cx="0" cy="0"/>
+          <a:chOff x="0" y="0"/>
+          <a:chExt cx="0" cy="0"/>
+        </a:xfrm>
+      </p:grpSpPr>
       <p:sp>
         <p:nvSpPr>
           <p:cNvPr id="2" name="Title 1">
@@ -3483,7 +3646,7 @@
         <p:spPr/>
         <p:txBody>
           <a:bodyPr>
-            <a:normAutofit fontScale="55000" lnSpcReduction="20000"/>
+            <a:normAutofit lnSpcReduction="10000"/>
           </a:bodyPr>
           <a:lstStyle/>
           <a:p>
@@ -3492,14 +3655,8 @@
                 <a:effectLst/>
                 <a:latin typeface="Helvetica Neue" panose="02000503000000020004" pitchFamily="2" charset="0"/>
               </a:rPr>
-              <a:t>Added required filtering for constant region…decreased # unique seqs</a:t>
-            </a:r>
-            <a:endParaRPr lang="en-US" dirty="0">
-              <a:effectLst/>
-              <a:latin typeface="Helvetica Neue" panose="02000503000000020004" pitchFamily="2" charset="0"/>
-            </a:endParaRPr>
-          </a:p>
-          <a:p>
+              <a:t>Added required filtering for constant region…decreased # unique seqs and changed some results</a:t>
+            </a:r>
             <a:br>
               <a:rPr lang="en-US" dirty="0">
                 <a:effectLst/>
@@ -3547,12 +3704,6 @@
               </a:rPr>
               <a:t> its doing alignment…</a:t>
             </a:r>
-            <a:endParaRPr lang="en-US" dirty="0">
-              <a:effectLst/>
-              <a:latin typeface="Helvetica Neue" panose="02000503000000020004" pitchFamily="2" charset="0"/>
-            </a:endParaRPr>
-          </a:p>
-          <a:p>
             <a:br>
               <a:rPr lang="en-US" dirty="0">
                 <a:effectLst/>
@@ -3565,6 +3716,34 @@
             </a:endParaRPr>
           </a:p>
           <a:p>
+            <a:r>
+              <a:rPr lang="en-US" dirty="0" err="1">
+                <a:effectLst/>
+                <a:latin typeface="Helvetica Neue" panose="02000503000000020004" pitchFamily="2" charset="0"/>
+              </a:rPr>
+              <a:t>Dont</a:t>
+            </a:r>
+            <a:r>
+              <a:rPr lang="en-US" dirty="0">
+                <a:effectLst/>
+                <a:latin typeface="Helvetica Neue" panose="02000503000000020004" pitchFamily="2" charset="0"/>
+              </a:rPr>
+              <a:t> love figure 3 </a:t>
+            </a:r>
+            <a:r>
+              <a:rPr lang="en-US" dirty="0" err="1">
+                <a:effectLst/>
+                <a:latin typeface="Helvetica Neue" panose="02000503000000020004" pitchFamily="2" charset="0"/>
+              </a:rPr>
+              <a:t>bc</a:t>
+            </a:r>
+            <a:r>
+              <a:rPr lang="en-US" dirty="0">
+                <a:effectLst/>
+                <a:latin typeface="Helvetica Neue" panose="02000503000000020004" pitchFamily="2" charset="0"/>
+              </a:rPr>
+              <a:t> counts are inaccurate </a:t>
+            </a:r>
             <a:br>
               <a:rPr lang="en-US" dirty="0">
                 <a:effectLst/>
@@ -3578,93 +3757,26 @@
           </a:p>
           <a:p>
             <a:r>
-              <a:rPr lang="en-US" dirty="0" err="1">
-                <a:effectLst/>
-                <a:latin typeface="Helvetica Neue" panose="02000503000000020004" pitchFamily="2" charset="0"/>
-              </a:rPr>
-              <a:t>Dont</a:t>
-            </a:r>
-            <a:r>
               <a:rPr lang="en-US" dirty="0">
                 <a:effectLst/>
                 <a:latin typeface="Helvetica Neue" panose="02000503000000020004" pitchFamily="2" charset="0"/>
               </a:rPr>
-              <a:t> love figure 3 </a:t>
-            </a:r>
-            <a:r>
-              <a:rPr lang="en-US" dirty="0" err="1">
-                <a:effectLst/>
-                <a:latin typeface="Helvetica Neue" panose="02000503000000020004" pitchFamily="2" charset="0"/>
-              </a:rPr>
-              <a:t>bc</a:t>
-            </a:r>
+              <a:t>7a - structure is wrong? Not GAA</a:t>
+            </a:r>
+          </a:p>
+          <a:p>
+            <a:endParaRPr lang="en-US" dirty="0">
+              <a:latin typeface="Helvetica Neue" panose="02000503000000020004" pitchFamily="2" charset="0"/>
+            </a:endParaRPr>
+          </a:p>
+          <a:p>
             <a:r>
               <a:rPr lang="en-US" dirty="0">
                 <a:effectLst/>
                 <a:latin typeface="Helvetica Neue" panose="02000503000000020004" pitchFamily="2" charset="0"/>
               </a:rPr>
-              <a:t> counts are inaccurate </a:t>
-            </a:r>
-          </a:p>
-          <a:p>
-            <a:br>
-              <a:rPr lang="en-US" dirty="0">
-                <a:effectLst/>
-                <a:latin typeface="Helvetica Neue" panose="02000503000000020004" pitchFamily="2" charset="0"/>
-              </a:rPr>
-            </a:br>
-            <a:endParaRPr lang="en-US" dirty="0">
-              <a:effectLst/>
-              <a:latin typeface="Helvetica Neue" panose="02000503000000020004" pitchFamily="2" charset="0"/>
-            </a:endParaRPr>
-          </a:p>
-          <a:p>
-            <a:r>
-              <a:rPr lang="en-US" dirty="0">
-                <a:effectLst/>
-                <a:latin typeface="Helvetica Neue" panose="02000503000000020004" pitchFamily="2" charset="0"/>
-              </a:rPr>
-              <a:t>Fig 4a - g10, 90% from RS1</a:t>
-            </a:r>
-          </a:p>
-          <a:p>
-            <a:br>
-              <a:rPr lang="en-US" dirty="0">
-                <a:effectLst/>
-                <a:latin typeface="Helvetica Neue" panose="02000503000000020004" pitchFamily="2" charset="0"/>
-              </a:rPr>
-            </a:br>
-            <a:endParaRPr lang="en-US" dirty="0">
-              <a:effectLst/>
-              <a:latin typeface="Helvetica Neue" panose="02000503000000020004" pitchFamily="2" charset="0"/>
-            </a:endParaRPr>
-          </a:p>
-          <a:p>
-            <a:r>
-              <a:rPr lang="en-US" dirty="0">
-                <a:effectLst/>
-                <a:latin typeface="Helvetica Neue" panose="02000503000000020004" pitchFamily="2" charset="0"/>
-              </a:rPr>
-              <a:t>7a - structure is wrong? Not GAA</a:t>
-            </a:r>
-          </a:p>
-          <a:p>
-            <a:endParaRPr lang="en-US" dirty="0">
-              <a:latin typeface="Helvetica Neue" panose="02000503000000020004" pitchFamily="2" charset="0"/>
-            </a:endParaRPr>
-          </a:p>
-          <a:p>
-            <a:r>
-              <a:rPr lang="en-US">
-                <a:effectLst/>
-                <a:latin typeface="Helvetica Neue" panose="02000503000000020004" pitchFamily="2" charset="0"/>
-              </a:rPr>
-              <a:t>Doped – analyst r3?</a:t>
-            </a:r>
-            <a:endParaRPr lang="en-US" dirty="0">
-              <a:effectLst/>
-              <a:latin typeface="Helvetica Neue" panose="02000503000000020004" pitchFamily="2" charset="0"/>
-            </a:endParaRPr>
+              <a:t>Doped – analyze r3?</a:t>
+            </a:r>
           </a:p>
           <a:p>
             <a:endParaRPr lang="en-US" dirty="0"/>
@@ -4503,8 +4615,8 @@
         </p:nvSpPr>
         <p:spPr>
           <a:xfrm>
-            <a:off x="665190" y="924542"/>
-            <a:ext cx="7772400" cy="1860400"/>
+            <a:off x="222278" y="838817"/>
+            <a:ext cx="7435822" cy="1860400"/>
           </a:xfrm>
         </p:spPr>
         <p:txBody>
@@ -4649,7 +4761,7 @@
                 <a:ea typeface="+mj-ea"/>
                 <a:cs typeface="+mj-cs"/>
               </a:rPr>
-              <a:t>sequences used = Cluster 1</a:t>
+              <a:t>sequences used = 90% similar to RS1 + more than 10 reads (robust for 80%)</a:t>
             </a:r>
             <a:br>
               <a:rPr lang="en-US" sz="2900" kern="1200" dirty="0">
@@ -4672,12 +4784,138 @@
           </a:p>
         </p:txBody>
       </p:sp>
+      <p:sp>
+        <p:nvSpPr>
+          <p:cNvPr id="4" name="TextBox 3">
+            <a:extLst>
+              <a:ext uri="{FF2B5EF4-FFF2-40B4-BE49-F238E27FC236}">
+                <a16:creationId xmlns:a16="http://schemas.microsoft.com/office/drawing/2014/main" id="{A99B4877-F10B-660C-1875-25784F0C49A5}"/>
+              </a:ext>
+            </a:extLst>
+          </p:cNvPr>
+          <p:cNvSpPr txBox="1"/>
+          <p:nvPr/>
+        </p:nvSpPr>
+        <p:spPr>
+          <a:xfrm>
+            <a:off x="665190" y="5380672"/>
+            <a:ext cx="3809056" cy="1477328"/>
+          </a:xfrm>
+          <a:prstGeom prst="rect">
+            <a:avLst/>
+          </a:prstGeom>
+          <a:noFill/>
+        </p:spPr>
+        <p:txBody>
+          <a:bodyPr wrap="none" rtlCol="0">
+            <a:spAutoFit/>
+          </a:bodyPr>
+          <a:lstStyle/>
+          <a:p>
+            <a:r>
+              <a:rPr lang="en-US" dirty="0">
+                <a:effectLst/>
+                <a:latin typeface="Helvetica Neue" panose="02000503000000020004" pitchFamily="2" charset="0"/>
+              </a:rPr>
+              <a:t>Conserved old: </a:t>
+            </a:r>
+            <a:r>
+              <a:rPr lang="en-US" dirty="0">
+                <a:effectLst/>
+                <a:highlight>
+                  <a:srgbClr val="00FF00"/>
+                </a:highlight>
+                <a:latin typeface="Helvetica Neue" panose="02000503000000020004" pitchFamily="2" charset="0"/>
+              </a:rPr>
+              <a:t>2</a:t>
+            </a:r>
+            <a:r>
+              <a:rPr lang="en-US" dirty="0">
+                <a:effectLst/>
+                <a:latin typeface="Helvetica Neue" panose="02000503000000020004" pitchFamily="2" charset="0"/>
+              </a:rPr>
+              <a:t>,13,</a:t>
+            </a:r>
+            <a:r>
+              <a:rPr lang="en-US" dirty="0">
+                <a:effectLst/>
+                <a:highlight>
+                  <a:srgbClr val="00FF00"/>
+                </a:highlight>
+                <a:latin typeface="Helvetica Neue" panose="02000503000000020004" pitchFamily="2" charset="0"/>
+              </a:rPr>
+              <a:t>19,20,35</a:t>
+            </a:r>
+          </a:p>
+          <a:p>
+            <a:r>
+              <a:rPr lang="en-US" dirty="0">
+                <a:effectLst/>
+                <a:latin typeface="Helvetica Neue" panose="02000503000000020004" pitchFamily="2" charset="0"/>
+              </a:rPr>
+              <a:t>Variable old: 4,5,6,7,</a:t>
+            </a:r>
+            <a:r>
+              <a:rPr lang="en-US" dirty="0">
+                <a:effectLst/>
+                <a:highlight>
+                  <a:srgbClr val="00FF00"/>
+                </a:highlight>
+                <a:latin typeface="Helvetica Neue" panose="02000503000000020004" pitchFamily="2" charset="0"/>
+              </a:rPr>
+              <a:t>8,10,16</a:t>
+            </a:r>
+            <a:r>
+              <a:rPr lang="en-US" dirty="0">
+                <a:effectLst/>
+                <a:latin typeface="Helvetica Neue" panose="02000503000000020004" pitchFamily="2" charset="0"/>
+              </a:rPr>
+              <a:t>,37</a:t>
+            </a:r>
+          </a:p>
+          <a:p>
+            <a:endParaRPr lang="en-US" b="1" dirty="0">
+              <a:effectLst/>
+              <a:latin typeface="Helvetica Neue" panose="02000503000000020004" pitchFamily="2" charset="0"/>
+            </a:endParaRPr>
+          </a:p>
+          <a:p>
+            <a:r>
+              <a:rPr lang="en-US" dirty="0">
+                <a:effectLst/>
+                <a:latin typeface="Helvetica Neue" panose="02000503000000020004" pitchFamily="2" charset="0"/>
+              </a:rPr>
+              <a:t>Tested: </a:t>
+            </a:r>
+            <a:r>
+              <a:rPr lang="en-US" dirty="0">
+                <a:effectLst/>
+                <a:highlight>
+                  <a:srgbClr val="00FF00"/>
+                </a:highlight>
+                <a:latin typeface="Helvetica Neue" panose="02000503000000020004" pitchFamily="2" charset="0"/>
+              </a:rPr>
+              <a:t>2,13 (still ligated),</a:t>
+            </a:r>
+            <a:r>
+              <a:rPr lang="en-US" dirty="0">
+                <a:effectLst/>
+                <a:latin typeface="Helvetica Neue" panose="02000503000000020004" pitchFamily="2" charset="0"/>
+              </a:rPr>
+              <a:t>19, 20, 35</a:t>
+            </a:r>
+          </a:p>
+          <a:p>
+            <a:endParaRPr lang="en-US" dirty="0"/>
+          </a:p>
+        </p:txBody>
+      </p:sp>
       <p:pic>
         <p:nvPicPr>
-          <p:cNvPr id="4" name="Picture 3">
-            <a:extLst>
-              <a:ext uri="{FF2B5EF4-FFF2-40B4-BE49-F238E27FC236}">
-                <a16:creationId xmlns:a16="http://schemas.microsoft.com/office/drawing/2014/main" id="{3D47E62D-7F57-619F-7A90-690333F385DD}"/>
+          <p:cNvPr id="6" name="Picture 5">
+            <a:extLst>
+              <a:ext uri="{FF2B5EF4-FFF2-40B4-BE49-F238E27FC236}">
+                <a16:creationId xmlns:a16="http://schemas.microsoft.com/office/drawing/2014/main" id="{63314EE2-7496-06D4-3000-DC86ABF2EB34}"/>
               </a:ext>
             </a:extLst>
           </p:cNvPr>
@@ -4694,7 +4932,7 @@
         </p:blipFill>
         <p:spPr>
           <a:xfrm>
-            <a:off x="0" y="3987801"/>
+            <a:off x="0" y="3852814"/>
             <a:ext cx="7772400" cy="1099127"/>
           </a:xfrm>
           <a:prstGeom prst="rect">
@@ -4704,10 +4942,10 @@
       </p:pic>
       <p:pic>
         <p:nvPicPr>
-          <p:cNvPr id="6" name="Picture 5" descr="A screenshot of a computer program&#10;&#10;Description automatically generated">
-            <a:extLst>
-              <a:ext uri="{FF2B5EF4-FFF2-40B4-BE49-F238E27FC236}">
-                <a16:creationId xmlns:a16="http://schemas.microsoft.com/office/drawing/2014/main" id="{95D8A0CD-D96A-1690-3570-A3F0C50E926A}"/>
+          <p:cNvPr id="8" name="Picture 7" descr="A screenshot of a computer&#10;&#10;Description automatically generated">
+            <a:extLst>
+              <a:ext uri="{FF2B5EF4-FFF2-40B4-BE49-F238E27FC236}">
+                <a16:creationId xmlns:a16="http://schemas.microsoft.com/office/drawing/2014/main" id="{A05812BD-D964-B157-FC8B-9C79CD548D4B}"/>
               </a:ext>
             </a:extLst>
           </p:cNvPr>
@@ -4724,8 +4962,8 @@
         </p:blipFill>
         <p:spPr>
           <a:xfrm>
-            <a:off x="8780231" y="0"/>
-            <a:ext cx="3411769" cy="6858000"/>
+            <a:off x="8693727" y="0"/>
+            <a:ext cx="3498273" cy="6858000"/>
           </a:xfrm>
           <a:prstGeom prst="rect">
             <a:avLst/>
@@ -4735,7 +4973,7 @@
     </p:spTree>
     <p:extLst>
       <p:ext uri="{BB962C8B-B14F-4D97-AF65-F5344CB8AC3E}">
-        <p14:creationId xmlns:p14="http://schemas.microsoft.com/office/powerpoint/2010/main" val="1665013343"/>
+        <p14:creationId xmlns:p14="http://schemas.microsoft.com/office/powerpoint/2010/main" val="1726794579"/>
       </p:ext>
     </p:extLst>
   </p:cSld>
@@ -4781,7 +5019,7 @@
         <p:spPr>
           <a:xfrm>
             <a:off x="665190" y="924542"/>
-            <a:ext cx="10515600" cy="1860400"/>
+            <a:ext cx="7772400" cy="1860400"/>
           </a:xfrm>
         </p:spPr>
         <p:txBody>
@@ -4926,7 +5164,7 @@
                 <a:ea typeface="+mj-ea"/>
                 <a:cs typeface="+mj-cs"/>
               </a:rPr>
-              <a:t>sequences used = 90% similar to RS1 + more than 10 reads (robust for 80%)</a:t>
+              <a:t>sequences used = Cluster 1</a:t>
             </a:r>
             <a:br>
               <a:rPr lang="en-US" sz="2900" kern="1200" dirty="0">
@@ -4951,10 +5189,10 @@
       </p:sp>
       <p:pic>
         <p:nvPicPr>
-          <p:cNvPr id="3" name="Picture 2">
-            <a:extLst>
-              <a:ext uri="{FF2B5EF4-FFF2-40B4-BE49-F238E27FC236}">
-                <a16:creationId xmlns:a16="http://schemas.microsoft.com/office/drawing/2014/main" id="{A13B47B4-2052-7D81-26E4-6A7C8AF1F5B7}"/>
+          <p:cNvPr id="5" name="Picture 4">
+            <a:extLst>
+              <a:ext uri="{FF2B5EF4-FFF2-40B4-BE49-F238E27FC236}">
+                <a16:creationId xmlns:a16="http://schemas.microsoft.com/office/drawing/2014/main" id="{CF0E07D6-93A4-27A5-7259-CFC4167791A4}"/>
               </a:ext>
             </a:extLst>
           </p:cNvPr>
@@ -4971,7 +5209,7 @@
         </p:blipFill>
         <p:spPr>
           <a:xfrm>
-            <a:off x="0" y="4472138"/>
+            <a:off x="331304" y="3533857"/>
             <a:ext cx="7772400" cy="1078403"/>
           </a:xfrm>
           <a:prstGeom prst="rect">
@@ -4979,12 +5217,42 @@
           </a:prstGeom>
         </p:spPr>
       </p:pic>
-      <p:sp>
-        <p:nvSpPr>
-          <p:cNvPr id="5" name="TextBox 4">
-            <a:extLst>
-              <a:ext uri="{FF2B5EF4-FFF2-40B4-BE49-F238E27FC236}">
-                <a16:creationId xmlns:a16="http://schemas.microsoft.com/office/drawing/2014/main" id="{9BCD927F-26A8-925F-9DDC-677EAB4C51C1}"/>
+      <p:pic>
+        <p:nvPicPr>
+          <p:cNvPr id="8" name="Picture 7" descr="A screenshot of a computer screen&#10;&#10;Description automatically generated">
+            <a:extLst>
+              <a:ext uri="{FF2B5EF4-FFF2-40B4-BE49-F238E27FC236}">
+                <a16:creationId xmlns:a16="http://schemas.microsoft.com/office/drawing/2014/main" id="{D6C2D363-899A-544D-C6DF-8D91C0D32E79}"/>
+              </a:ext>
+            </a:extLst>
+          </p:cNvPr>
+          <p:cNvPicPr>
+            <a:picLocks noChangeAspect="1"/>
+          </p:cNvPicPr>
+          <p:nvPr/>
+        </p:nvPicPr>
+        <p:blipFill>
+          <a:blip r:embed="rId3"/>
+          <a:stretch>
+            <a:fillRect/>
+          </a:stretch>
+        </p:blipFill>
+        <p:spPr>
+          <a:xfrm>
+            <a:off x="8832273" y="0"/>
+            <a:ext cx="3359727" cy="6858000"/>
+          </a:xfrm>
+          <a:prstGeom prst="rect">
+            <a:avLst/>
+          </a:prstGeom>
+        </p:spPr>
+      </p:pic>
+      <p:sp>
+        <p:nvSpPr>
+          <p:cNvPr id="9" name="TextBox 8">
+            <a:extLst>
+              <a:ext uri="{FF2B5EF4-FFF2-40B4-BE49-F238E27FC236}">
+                <a16:creationId xmlns:a16="http://schemas.microsoft.com/office/drawing/2014/main" id="{68C89B8C-52B2-A567-FE91-59D020233A9A}"/>
               </a:ext>
             </a:extLst>
           </p:cNvPr>
@@ -4993,8 +5261,8 @@
         </p:nvSpPr>
         <p:spPr>
           <a:xfrm>
-            <a:off x="7655561" y="3164681"/>
-            <a:ext cx="6621193" cy="3693319"/>
+            <a:off x="665190" y="5380672"/>
+            <a:ext cx="3809056" cy="1477328"/>
           </a:xfrm>
           <a:prstGeom prst="rect">
             <a:avLst/>
@@ -5002,91 +5270,130 @@
           <a:noFill/>
         </p:spPr>
         <p:txBody>
-          <a:bodyPr wrap="square" rtlCol="0">
+          <a:bodyPr wrap="none" rtlCol="0">
             <a:spAutoFit/>
           </a:bodyPr>
           <a:lstStyle/>
           <a:p>
             <a:r>
-              <a:rPr lang="en-US" dirty="0"/>
-              <a:t>Top 5 most conserved spots: </a:t>
-            </a:r>
-          </a:p>
-          <a:p>
-            <a:r>
-              <a:rPr lang="en-US" dirty="0"/>
-              <a:t>Position: 5 Entropy: 0.09765065407844606 </a:t>
-            </a:r>
-          </a:p>
-          <a:p>
-            <a:r>
-              <a:rPr lang="en-US" dirty="0"/>
-              <a:t>Position: 17 Entropy: 0.09765065407844606 </a:t>
-            </a:r>
-          </a:p>
-          <a:p>
-            <a:r>
-              <a:rPr lang="en-US" dirty="0"/>
-              <a:t>Position: 18 Entropy: 0.09765065407844606 </a:t>
-            </a:r>
-          </a:p>
-          <a:p>
-            <a:r>
-              <a:rPr lang="en-US" dirty="0"/>
-              <a:t>Position: 32 Entropy: 0.09765065407844606 </a:t>
-            </a:r>
-          </a:p>
-          <a:p>
-            <a:r>
-              <a:rPr lang="en-US" dirty="0"/>
-              <a:t>Position: 39 Entropy: 0.09765065407844606 </a:t>
+              <a:rPr lang="en-US" dirty="0">
+                <a:effectLst/>
+                <a:latin typeface="Helvetica Neue" panose="02000503000000020004" pitchFamily="2" charset="0"/>
+              </a:rPr>
+              <a:t>Conserved old: 2,</a:t>
+            </a:r>
+            <a:r>
+              <a:rPr lang="en-US" dirty="0">
+                <a:effectLst/>
+                <a:highlight>
+                  <a:srgbClr val="00FF00"/>
+                </a:highlight>
+                <a:latin typeface="Helvetica Neue" panose="02000503000000020004" pitchFamily="2" charset="0"/>
+              </a:rPr>
+              <a:t>13,</a:t>
+            </a:r>
+            <a:r>
+              <a:rPr lang="en-US" dirty="0">
+                <a:effectLst/>
+                <a:latin typeface="Helvetica Neue" panose="02000503000000020004" pitchFamily="2" charset="0"/>
+              </a:rPr>
+              <a:t>19,</a:t>
+            </a:r>
+            <a:r>
+              <a:rPr lang="en-US" dirty="0">
+                <a:effectLst/>
+                <a:highlight>
+                  <a:srgbClr val="00FF00"/>
+                </a:highlight>
+                <a:latin typeface="Helvetica Neue" panose="02000503000000020004" pitchFamily="2" charset="0"/>
+              </a:rPr>
+              <a:t>20,35</a:t>
+            </a:r>
+          </a:p>
+          <a:p>
+            <a:r>
+              <a:rPr lang="en-US" dirty="0">
+                <a:effectLst/>
+                <a:latin typeface="Helvetica Neue" panose="02000503000000020004" pitchFamily="2" charset="0"/>
+              </a:rPr>
+              <a:t>Variable old: </a:t>
+            </a:r>
+            <a:r>
+              <a:rPr lang="en-US" dirty="0">
+                <a:effectLst/>
+                <a:highlight>
+                  <a:srgbClr val="00FF00"/>
+                </a:highlight>
+                <a:latin typeface="Helvetica Neue" panose="02000503000000020004" pitchFamily="2" charset="0"/>
+              </a:rPr>
+              <a:t>4,5,</a:t>
+            </a:r>
+            <a:r>
+              <a:rPr lang="en-US" dirty="0">
+                <a:effectLst/>
+                <a:latin typeface="Helvetica Neue" panose="02000503000000020004" pitchFamily="2" charset="0"/>
+              </a:rPr>
+              <a:t>6,</a:t>
+            </a:r>
+            <a:r>
+              <a:rPr lang="en-US" dirty="0">
+                <a:effectLst/>
+                <a:highlight>
+                  <a:srgbClr val="00FF00"/>
+                </a:highlight>
+                <a:latin typeface="Helvetica Neue" panose="02000503000000020004" pitchFamily="2" charset="0"/>
+              </a:rPr>
+              <a:t>7,8,10,16,</a:t>
+            </a:r>
+            <a:r>
+              <a:rPr lang="en-US" dirty="0">
+                <a:effectLst/>
+                <a:latin typeface="Helvetica Neue" panose="02000503000000020004" pitchFamily="2" charset="0"/>
+              </a:rPr>
+              <a:t>37</a:t>
+            </a:r>
+          </a:p>
+          <a:p>
+            <a:endParaRPr lang="en-US" b="1" dirty="0">
+              <a:effectLst/>
+              <a:latin typeface="Helvetica Neue" panose="02000503000000020004" pitchFamily="2" charset="0"/>
+            </a:endParaRPr>
+          </a:p>
+          <a:p>
+            <a:r>
+              <a:rPr lang="en-US" dirty="0">
+                <a:effectLst/>
+                <a:latin typeface="Helvetica Neue" panose="02000503000000020004" pitchFamily="2" charset="0"/>
+              </a:rPr>
+              <a:t>Tested: 2,13 (still ligated),</a:t>
+            </a:r>
+            <a:r>
+              <a:rPr lang="en-US" dirty="0">
+                <a:effectLst/>
+                <a:highlight>
+                  <a:srgbClr val="00FF00"/>
+                </a:highlight>
+                <a:latin typeface="Helvetica Neue" panose="02000503000000020004" pitchFamily="2" charset="0"/>
+              </a:rPr>
+              <a:t>19</a:t>
+            </a:r>
+            <a:r>
+              <a:rPr lang="en-US" dirty="0">
+                <a:effectLst/>
+                <a:latin typeface="Helvetica Neue" panose="02000503000000020004" pitchFamily="2" charset="0"/>
+              </a:rPr>
+              <a:t>, 20, 35</a:t>
             </a:r>
           </a:p>
           <a:p>
             <a:endParaRPr lang="en-US" dirty="0"/>
-          </a:p>
-          <a:p>
-            <a:r>
-              <a:rPr lang="en-US" dirty="0"/>
-              <a:t>Top 5 most variable spots: </a:t>
-            </a:r>
-          </a:p>
-          <a:p>
-            <a:r>
-              <a:rPr lang="en-US" dirty="0"/>
-              <a:t>Position: 8 Entropy: 0.5674528743292931 </a:t>
-            </a:r>
-          </a:p>
-          <a:p>
-            <a:r>
-              <a:rPr lang="en-US" dirty="0"/>
-              <a:t>Position: 10 Entropy: 0.4664081652201073 </a:t>
-            </a:r>
-          </a:p>
-          <a:p>
-            <a:r>
-              <a:rPr lang="en-US" dirty="0"/>
-              <a:t>Position: 37 Entropy: 0.2691720173914361 </a:t>
-            </a:r>
-          </a:p>
-          <a:p>
-            <a:r>
-              <a:rPr lang="en-US" dirty="0"/>
-              <a:t>Position: 20 Entropy: 0.26871844198347955</a:t>
-            </a:r>
-          </a:p>
-          <a:p>
-            <a:r>
-              <a:rPr lang="en-US" dirty="0"/>
-              <a:t> Position: 27 Entropy: 0.23585087070283198</a:t>
-            </a:r>
           </a:p>
         </p:txBody>
       </p:sp>
     </p:spTree>
     <p:extLst>
       <p:ext uri="{BB962C8B-B14F-4D97-AF65-F5344CB8AC3E}">
-        <p14:creationId xmlns:p14="http://schemas.microsoft.com/office/powerpoint/2010/main" val="1726794579"/>
+        <p14:creationId xmlns:p14="http://schemas.microsoft.com/office/powerpoint/2010/main" val="1665013343"/>
       </p:ext>
     </p:extLst>
   </p:cSld>
@@ -5474,7 +5781,51 @@
                 <a:ea typeface="+mj-ea"/>
                 <a:cs typeface="+mj-cs"/>
               </a:rPr>
-              <a:t>Code:</a:t>
+              <a:t>Code: https://</a:t>
+            </a:r>
+            <a:r>
+              <a:rPr lang="en-US" sz="2900" kern="1200" dirty="0" err="1">
+                <a:solidFill>
+                  <a:schemeClr val="tx1"/>
+                </a:solidFill>
+                <a:latin typeface="+mj-lt"/>
+                <a:ea typeface="+mj-ea"/>
+                <a:cs typeface="+mj-cs"/>
+              </a:rPr>
+              <a:t>github.com</a:t>
+            </a:r>
+            <a:r>
+              <a:rPr lang="en-US" sz="2900" kern="1200" dirty="0">
+                <a:solidFill>
+                  <a:schemeClr val="tx1"/>
+                </a:solidFill>
+                <a:latin typeface="+mj-lt"/>
+                <a:ea typeface="+mj-ea"/>
+                <a:cs typeface="+mj-cs"/>
+              </a:rPr>
+              <a:t>/zweiss22/</a:t>
+            </a:r>
+            <a:r>
+              <a:rPr lang="en-US" sz="2900" kern="1200" dirty="0" err="1">
+                <a:solidFill>
+                  <a:schemeClr val="tx1"/>
+                </a:solidFill>
+                <a:latin typeface="+mj-lt"/>
+                <a:ea typeface="+mj-ea"/>
+                <a:cs typeface="+mj-cs"/>
+              </a:rPr>
+              <a:t>proj-population_dynamics_ligase</a:t>
+            </a:r>
+            <a:r>
+              <a:rPr lang="en-US" sz="2900" kern="1200" dirty="0">
+                <a:solidFill>
+                  <a:schemeClr val="tx1"/>
+                </a:solidFill>
+                <a:latin typeface="+mj-lt"/>
+                <a:ea typeface="+mj-ea"/>
+                <a:cs typeface="+mj-cs"/>
+              </a:rPr>
+              <a:t>/blob/main/scripts/050-doped_selection/002_conservation_doped_slxn.py</a:t>
             </a:r>
             <a:br>
               <a:rPr lang="en-US" sz="2900" kern="1200" dirty="0">
@@ -5562,7 +5913,7 @@
         </p:blipFill>
         <p:spPr>
           <a:xfrm>
-            <a:off x="50019" y="5146766"/>
+            <a:off x="0" y="3429000"/>
             <a:ext cx="8563894" cy="1188221"/>
           </a:xfrm>
           <a:prstGeom prst="rect">

--- a/commentary_on_updates.pptx
+++ b/commentary_on_updates.pptx
@@ -10,12 +10,13 @@
     <p:sldId id="259" r:id="rId4"/>
     <p:sldId id="258" r:id="rId5"/>
     <p:sldId id="260" r:id="rId6"/>
-    <p:sldId id="261" r:id="rId7"/>
-    <p:sldId id="262" r:id="rId8"/>
-    <p:sldId id="264" r:id="rId9"/>
-    <p:sldId id="265" r:id="rId10"/>
-    <p:sldId id="266" r:id="rId11"/>
-    <p:sldId id="263" r:id="rId12"/>
+    <p:sldId id="267" r:id="rId7"/>
+    <p:sldId id="261" r:id="rId8"/>
+    <p:sldId id="262" r:id="rId9"/>
+    <p:sldId id="264" r:id="rId10"/>
+    <p:sldId id="265" r:id="rId11"/>
+    <p:sldId id="266" r:id="rId12"/>
+    <p:sldId id="263" r:id="rId13"/>
   </p:sldIdLst>
   <p:sldSz cx="12192000" cy="6858000"/>
   <p:notesSz cx="6858000" cy="9144000"/>
@@ -269,7 +270,7 @@
           <a:p>
             <a:fld id="{DFCCAB26-C3C3-A84A-AF74-D04090CE9541}" type="datetimeFigureOut">
               <a:rPr lang="en-US" smtClean="0"/>
-              <a:t>4/28/24</a:t>
+              <a:t>4/29/24</a:t>
             </a:fld>
             <a:endParaRPr lang="en-US"/>
           </a:p>
@@ -467,7 +468,7 @@
           <a:p>
             <a:fld id="{DFCCAB26-C3C3-A84A-AF74-D04090CE9541}" type="datetimeFigureOut">
               <a:rPr lang="en-US" smtClean="0"/>
-              <a:t>4/28/24</a:t>
+              <a:t>4/29/24</a:t>
             </a:fld>
             <a:endParaRPr lang="en-US"/>
           </a:p>
@@ -675,7 +676,7 @@
           <a:p>
             <a:fld id="{DFCCAB26-C3C3-A84A-AF74-D04090CE9541}" type="datetimeFigureOut">
               <a:rPr lang="en-US" smtClean="0"/>
-              <a:t>4/28/24</a:t>
+              <a:t>4/29/24</a:t>
             </a:fld>
             <a:endParaRPr lang="en-US"/>
           </a:p>
@@ -873,7 +874,7 @@
           <a:p>
             <a:fld id="{DFCCAB26-C3C3-A84A-AF74-D04090CE9541}" type="datetimeFigureOut">
               <a:rPr lang="en-US" smtClean="0"/>
-              <a:t>4/28/24</a:t>
+              <a:t>4/29/24</a:t>
             </a:fld>
             <a:endParaRPr lang="en-US"/>
           </a:p>
@@ -1148,7 +1149,7 @@
           <a:p>
             <a:fld id="{DFCCAB26-C3C3-A84A-AF74-D04090CE9541}" type="datetimeFigureOut">
               <a:rPr lang="en-US" smtClean="0"/>
-              <a:t>4/28/24</a:t>
+              <a:t>4/29/24</a:t>
             </a:fld>
             <a:endParaRPr lang="en-US"/>
           </a:p>
@@ -1413,7 +1414,7 @@
           <a:p>
             <a:fld id="{DFCCAB26-C3C3-A84A-AF74-D04090CE9541}" type="datetimeFigureOut">
               <a:rPr lang="en-US" smtClean="0"/>
-              <a:t>4/28/24</a:t>
+              <a:t>4/29/24</a:t>
             </a:fld>
             <a:endParaRPr lang="en-US"/>
           </a:p>
@@ -1825,7 +1826,7 @@
           <a:p>
             <a:fld id="{DFCCAB26-C3C3-A84A-AF74-D04090CE9541}" type="datetimeFigureOut">
               <a:rPr lang="en-US" smtClean="0"/>
-              <a:t>4/28/24</a:t>
+              <a:t>4/29/24</a:t>
             </a:fld>
             <a:endParaRPr lang="en-US"/>
           </a:p>
@@ -1966,7 +1967,7 @@
           <a:p>
             <a:fld id="{DFCCAB26-C3C3-A84A-AF74-D04090CE9541}" type="datetimeFigureOut">
               <a:rPr lang="en-US" smtClean="0"/>
-              <a:t>4/28/24</a:t>
+              <a:t>4/29/24</a:t>
             </a:fld>
             <a:endParaRPr lang="en-US"/>
           </a:p>
@@ -2079,7 +2080,7 @@
           <a:p>
             <a:fld id="{DFCCAB26-C3C3-A84A-AF74-D04090CE9541}" type="datetimeFigureOut">
               <a:rPr lang="en-US" smtClean="0"/>
-              <a:t>4/28/24</a:t>
+              <a:t>4/29/24</a:t>
             </a:fld>
             <a:endParaRPr lang="en-US"/>
           </a:p>
@@ -2390,7 +2391,7 @@
           <a:p>
             <a:fld id="{DFCCAB26-C3C3-A84A-AF74-D04090CE9541}" type="datetimeFigureOut">
               <a:rPr lang="en-US" smtClean="0"/>
-              <a:t>4/28/24</a:t>
+              <a:t>4/29/24</a:t>
             </a:fld>
             <a:endParaRPr lang="en-US"/>
           </a:p>
@@ -2678,7 +2679,7 @@
           <a:p>
             <a:fld id="{DFCCAB26-C3C3-A84A-AF74-D04090CE9541}" type="datetimeFigureOut">
               <a:rPr lang="en-US" smtClean="0"/>
-              <a:t>4/28/24</a:t>
+              <a:t>4/29/24</a:t>
             </a:fld>
             <a:endParaRPr lang="en-US"/>
           </a:p>
@@ -2919,7 +2920,7 @@
           <a:p>
             <a:fld id="{DFCCAB26-C3C3-A84A-AF74-D04090CE9541}" type="datetimeFigureOut">
               <a:rPr lang="en-US" smtClean="0"/>
-              <a:t>4/28/24</a:t>
+              <a:t>4/29/24</a:t>
             </a:fld>
             <a:endParaRPr lang="en-US"/>
           </a:p>
@@ -3465,12 +3466,171 @@
           <a:chExt cx="0" cy="0"/>
         </a:xfrm>
       </p:grpSpPr>
+      <p:sp>
+        <p:nvSpPr>
+          <p:cNvPr id="2" name="Title 1">
+            <a:extLst>
+              <a:ext uri="{FF2B5EF4-FFF2-40B4-BE49-F238E27FC236}">
+                <a16:creationId xmlns:a16="http://schemas.microsoft.com/office/drawing/2014/main" id="{B2367F3F-B850-D241-DA2C-5FD3ADDA92A4}"/>
+              </a:ext>
+            </a:extLst>
+          </p:cNvPr>
+          <p:cNvSpPr>
+            <a:spLocks noGrp="1"/>
+          </p:cNvSpPr>
+          <p:nvPr>
+            <p:ph type="title"/>
+          </p:nvPr>
+        </p:nvSpPr>
+        <p:spPr>
+          <a:xfrm>
+            <a:off x="0" y="523013"/>
+            <a:ext cx="12192000" cy="1860400"/>
+          </a:xfrm>
+        </p:spPr>
+        <p:txBody>
+          <a:bodyPr vert="horz" lIns="91440" tIns="45720" rIns="91440" bIns="45720" rtlCol="0" anchor="ctr">
+            <a:normAutofit fontScale="90000"/>
+          </a:bodyPr>
+          <a:lstStyle/>
+          <a:p>
+            <a:r>
+              <a:rPr lang="en-US" sz="2900" kern="1200" dirty="0">
+                <a:solidFill>
+                  <a:schemeClr val="tx1"/>
+                </a:solidFill>
+                <a:latin typeface="+mj-lt"/>
+                <a:ea typeface="+mj-ea"/>
+                <a:cs typeface="+mj-cs"/>
+              </a:rPr>
+              <a:t>Figure 6</a:t>
+            </a:r>
+            <a:br>
+              <a:rPr lang="en-US" sz="2900" kern="1200" dirty="0">
+                <a:solidFill>
+                  <a:schemeClr val="tx1"/>
+                </a:solidFill>
+                <a:latin typeface="+mj-lt"/>
+                <a:ea typeface="+mj-ea"/>
+                <a:cs typeface="+mj-cs"/>
+              </a:rPr>
+            </a:br>
+            <a:r>
+              <a:rPr lang="en-US" sz="2900" kern="1200" dirty="0">
+                <a:solidFill>
+                  <a:schemeClr val="tx1"/>
+                </a:solidFill>
+                <a:latin typeface="+mj-lt"/>
+                <a:ea typeface="+mj-ea"/>
+                <a:cs typeface="+mj-cs"/>
+              </a:rPr>
+              <a:t>Data: </a:t>
+            </a:r>
+            <a:br>
+              <a:rPr lang="en-US" sz="2900" kern="1200" dirty="0">
+                <a:solidFill>
+                  <a:schemeClr val="tx1"/>
+                </a:solidFill>
+                <a:latin typeface="+mj-lt"/>
+                <a:ea typeface="+mj-ea"/>
+                <a:cs typeface="+mj-cs"/>
+              </a:rPr>
+            </a:br>
+            <a:r>
+              <a:rPr lang="en-US" sz="2900" kern="1200" dirty="0">
+                <a:solidFill>
+                  <a:schemeClr val="tx1"/>
+                </a:solidFill>
+                <a:latin typeface="+mj-lt"/>
+                <a:ea typeface="+mj-ea"/>
+                <a:cs typeface="+mj-cs"/>
+              </a:rPr>
+              <a:t>Code: https://</a:t>
+            </a:r>
+            <a:r>
+              <a:rPr lang="en-US" sz="2900" kern="1200" dirty="0" err="1">
+                <a:solidFill>
+                  <a:schemeClr val="tx1"/>
+                </a:solidFill>
+                <a:latin typeface="+mj-lt"/>
+                <a:ea typeface="+mj-ea"/>
+                <a:cs typeface="+mj-cs"/>
+              </a:rPr>
+              <a:t>github.com</a:t>
+            </a:r>
+            <a:r>
+              <a:rPr lang="en-US" sz="2900" kern="1200" dirty="0">
+                <a:solidFill>
+                  <a:schemeClr val="tx1"/>
+                </a:solidFill>
+                <a:latin typeface="+mj-lt"/>
+                <a:ea typeface="+mj-ea"/>
+                <a:cs typeface="+mj-cs"/>
+              </a:rPr>
+              <a:t>/zweiss22/</a:t>
+            </a:r>
+            <a:r>
+              <a:rPr lang="en-US" sz="2900" kern="1200" dirty="0" err="1">
+                <a:solidFill>
+                  <a:schemeClr val="tx1"/>
+                </a:solidFill>
+                <a:latin typeface="+mj-lt"/>
+                <a:ea typeface="+mj-ea"/>
+                <a:cs typeface="+mj-cs"/>
+              </a:rPr>
+              <a:t>proj-population_dynamics_ligase</a:t>
+            </a:r>
+            <a:r>
+              <a:rPr lang="en-US" sz="2900" kern="1200" dirty="0">
+                <a:solidFill>
+                  <a:schemeClr val="tx1"/>
+                </a:solidFill>
+                <a:latin typeface="+mj-lt"/>
+                <a:ea typeface="+mj-ea"/>
+                <a:cs typeface="+mj-cs"/>
+              </a:rPr>
+              <a:t>/blob/main/scripts/050-doped_selection/002_conservation_doped_slxn.py</a:t>
+            </a:r>
+            <a:br>
+              <a:rPr lang="en-US" sz="2900" kern="1200" dirty="0">
+                <a:solidFill>
+                  <a:schemeClr val="tx1"/>
+                </a:solidFill>
+                <a:latin typeface="+mj-lt"/>
+                <a:ea typeface="+mj-ea"/>
+                <a:cs typeface="+mj-cs"/>
+              </a:rPr>
+            </a:br>
+            <a:br>
+              <a:rPr lang="en-US" sz="2900" kern="1200" dirty="0">
+                <a:solidFill>
+                  <a:schemeClr val="tx1"/>
+                </a:solidFill>
+                <a:latin typeface="+mj-lt"/>
+                <a:ea typeface="+mj-ea"/>
+                <a:cs typeface="+mj-cs"/>
+              </a:rPr>
+            </a:br>
+            <a:r>
+              <a:rPr lang="en-US" sz="2900" kern="1200" dirty="0">
+                <a:solidFill>
+                  <a:schemeClr val="tx1"/>
+                </a:solidFill>
+                <a:latin typeface="+mj-lt"/>
+                <a:ea typeface="+mj-ea"/>
+                <a:cs typeface="+mj-cs"/>
+              </a:rPr>
+              <a:t>seqs: r3 doped selection, greater than 10 reads</a:t>
+            </a:r>
+          </a:p>
+        </p:txBody>
+      </p:sp>
       <p:pic>
         <p:nvPicPr>
-          <p:cNvPr id="4" name="Picture 3">
-            <a:extLst>
-              <a:ext uri="{FF2B5EF4-FFF2-40B4-BE49-F238E27FC236}">
-                <a16:creationId xmlns:a16="http://schemas.microsoft.com/office/drawing/2014/main" id="{04A8C11D-EA83-B25E-A1B0-EA0F366FC7BC}"/>
+          <p:cNvPr id="8" name="Picture 7" descr="A screenshot of a computer&#10;&#10;Description automatically generated">
+            <a:extLst>
+              <a:ext uri="{FF2B5EF4-FFF2-40B4-BE49-F238E27FC236}">
+                <a16:creationId xmlns:a16="http://schemas.microsoft.com/office/drawing/2014/main" id="{26C96F9B-5F2D-E316-02CE-337C384B9C9B}"/>
               </a:ext>
             </a:extLst>
           </p:cNvPr>
@@ -3487,92 +3647,48 @@
         </p:blipFill>
         <p:spPr>
           <a:xfrm>
-            <a:off x="2528957" y="1965739"/>
-            <a:ext cx="7772400" cy="3740921"/>
+            <a:off x="8613913" y="0"/>
+            <a:ext cx="3578087" cy="6858000"/>
           </a:xfrm>
           <a:prstGeom prst="rect">
             <a:avLst/>
           </a:prstGeom>
         </p:spPr>
       </p:pic>
-      <p:sp>
-        <p:nvSpPr>
-          <p:cNvPr id="5" name="Title 1">
-            <a:extLst>
-              <a:ext uri="{FF2B5EF4-FFF2-40B4-BE49-F238E27FC236}">
-                <a16:creationId xmlns:a16="http://schemas.microsoft.com/office/drawing/2014/main" id="{2EB85AF6-47D3-3615-E17F-D66A9113CE4C}"/>
-              </a:ext>
-            </a:extLst>
-          </p:cNvPr>
-          <p:cNvSpPr txBox="1">
-            <a:spLocks/>
-          </p:cNvSpPr>
+      <p:pic>
+        <p:nvPicPr>
+          <p:cNvPr id="9" name="Picture 8">
+            <a:extLst>
+              <a:ext uri="{FF2B5EF4-FFF2-40B4-BE49-F238E27FC236}">
+                <a16:creationId xmlns:a16="http://schemas.microsoft.com/office/drawing/2014/main" id="{F9F8ABAC-6366-7B9E-1ADB-5A0DADCDB757}"/>
+              </a:ext>
+            </a:extLst>
+          </p:cNvPr>
+          <p:cNvPicPr>
+            <a:picLocks noChangeAspect="1"/>
+          </p:cNvPicPr>
           <p:nvPr/>
-        </p:nvSpPr>
+        </p:nvPicPr>
+        <p:blipFill>
+          <a:blip r:embed="rId3"/>
+          <a:stretch>
+            <a:fillRect/>
+          </a:stretch>
+        </p:blipFill>
         <p:spPr>
           <a:xfrm>
-            <a:off x="545921" y="367950"/>
-            <a:ext cx="10515600" cy="1860400"/>
+            <a:off x="0" y="3429000"/>
+            <a:ext cx="8563894" cy="1188221"/>
           </a:xfrm>
           <a:prstGeom prst="rect">
             <a:avLst/>
           </a:prstGeom>
         </p:spPr>
-        <p:txBody>
-          <a:bodyPr vert="horz" lIns="91440" tIns="45720" rIns="91440" bIns="45720" rtlCol="0" anchor="ctr">
-            <a:normAutofit fontScale="97500"/>
-          </a:bodyPr>
-          <a:lstStyle>
-            <a:lvl1pPr algn="l" defTabSz="914400" rtl="0" eaLnBrk="1" latinLnBrk="0" hangingPunct="1">
-              <a:lnSpc>
-                <a:spcPct val="90000"/>
-              </a:lnSpc>
-              <a:spcBef>
-                <a:spcPct val="0"/>
-              </a:spcBef>
-              <a:buNone/>
-              <a:defRPr sz="4400" kern="1200">
-                <a:solidFill>
-                  <a:schemeClr val="tx1"/>
-                </a:solidFill>
-                <a:latin typeface="+mj-lt"/>
-                <a:ea typeface="+mj-ea"/>
-                <a:cs typeface="+mj-cs"/>
-              </a:defRPr>
-            </a:lvl1pPr>
-          </a:lstStyle>
-          <a:p>
-            <a:r>
-              <a:rPr lang="en-US" sz="2900" dirty="0"/>
-              <a:t>Code: https://</a:t>
-            </a:r>
-            <a:r>
-              <a:rPr lang="en-US" sz="2900" dirty="0" err="1"/>
-              <a:t>github.com</a:t>
-            </a:r>
-            <a:r>
-              <a:rPr lang="en-US" sz="2900" dirty="0"/>
-              <a:t>/zweiss22/</a:t>
-            </a:r>
-            <a:r>
-              <a:rPr lang="en-US" sz="2900" dirty="0" err="1"/>
-              <a:t>proj-population_dynamics_ligase</a:t>
-            </a:r>
-            <a:r>
-              <a:rPr lang="en-US" sz="2900" dirty="0"/>
-              <a:t>/blob/main/scripts/050-doped_selection/003_alternative_bps.py</a:t>
-            </a:r>
-            <a:br>
-              <a:rPr lang="en-US" sz="2900" dirty="0"/>
-            </a:br>
-            <a:endParaRPr lang="en-US" sz="2900" dirty="0"/>
-          </a:p>
-        </p:txBody>
-      </p:sp>
+      </p:pic>
     </p:spTree>
     <p:extLst>
       <p:ext uri="{BB962C8B-B14F-4D97-AF65-F5344CB8AC3E}">
-        <p14:creationId xmlns:p14="http://schemas.microsoft.com/office/powerpoint/2010/main" val="693826690"/>
+        <p14:creationId xmlns:p14="http://schemas.microsoft.com/office/powerpoint/2010/main" val="410989064"/>
       </p:ext>
     </p:extLst>
   </p:cSld>
@@ -3599,6 +3715,140 @@
           <a:chExt cx="0" cy="0"/>
         </a:xfrm>
       </p:grpSpPr>
+      <p:pic>
+        <p:nvPicPr>
+          <p:cNvPr id="4" name="Picture 3">
+            <a:extLst>
+              <a:ext uri="{FF2B5EF4-FFF2-40B4-BE49-F238E27FC236}">
+                <a16:creationId xmlns:a16="http://schemas.microsoft.com/office/drawing/2014/main" id="{04A8C11D-EA83-B25E-A1B0-EA0F366FC7BC}"/>
+              </a:ext>
+            </a:extLst>
+          </p:cNvPr>
+          <p:cNvPicPr>
+            <a:picLocks noChangeAspect="1"/>
+          </p:cNvPicPr>
+          <p:nvPr/>
+        </p:nvPicPr>
+        <p:blipFill>
+          <a:blip r:embed="rId2"/>
+          <a:stretch>
+            <a:fillRect/>
+          </a:stretch>
+        </p:blipFill>
+        <p:spPr>
+          <a:xfrm>
+            <a:off x="2528957" y="1965739"/>
+            <a:ext cx="7772400" cy="3740921"/>
+          </a:xfrm>
+          <a:prstGeom prst="rect">
+            <a:avLst/>
+          </a:prstGeom>
+        </p:spPr>
+      </p:pic>
+      <p:sp>
+        <p:nvSpPr>
+          <p:cNvPr id="5" name="Title 1">
+            <a:extLst>
+              <a:ext uri="{FF2B5EF4-FFF2-40B4-BE49-F238E27FC236}">
+                <a16:creationId xmlns:a16="http://schemas.microsoft.com/office/drawing/2014/main" id="{2EB85AF6-47D3-3615-E17F-D66A9113CE4C}"/>
+              </a:ext>
+            </a:extLst>
+          </p:cNvPr>
+          <p:cNvSpPr txBox="1">
+            <a:spLocks/>
+          </p:cNvSpPr>
+          <p:nvPr/>
+        </p:nvSpPr>
+        <p:spPr>
+          <a:xfrm>
+            <a:off x="545921" y="367950"/>
+            <a:ext cx="10515600" cy="1860400"/>
+          </a:xfrm>
+          <a:prstGeom prst="rect">
+            <a:avLst/>
+          </a:prstGeom>
+        </p:spPr>
+        <p:txBody>
+          <a:bodyPr vert="horz" lIns="91440" tIns="45720" rIns="91440" bIns="45720" rtlCol="0" anchor="ctr">
+            <a:normAutofit fontScale="97500"/>
+          </a:bodyPr>
+          <a:lstStyle>
+            <a:lvl1pPr algn="l" defTabSz="914400" rtl="0" eaLnBrk="1" latinLnBrk="0" hangingPunct="1">
+              <a:lnSpc>
+                <a:spcPct val="90000"/>
+              </a:lnSpc>
+              <a:spcBef>
+                <a:spcPct val="0"/>
+              </a:spcBef>
+              <a:buNone/>
+              <a:defRPr sz="4400" kern="1200">
+                <a:solidFill>
+                  <a:schemeClr val="tx1"/>
+                </a:solidFill>
+                <a:latin typeface="+mj-lt"/>
+                <a:ea typeface="+mj-ea"/>
+                <a:cs typeface="+mj-cs"/>
+              </a:defRPr>
+            </a:lvl1pPr>
+          </a:lstStyle>
+          <a:p>
+            <a:r>
+              <a:rPr lang="en-US" sz="2900" dirty="0"/>
+              <a:t>Code: https://</a:t>
+            </a:r>
+            <a:r>
+              <a:rPr lang="en-US" sz="2900" dirty="0" err="1"/>
+              <a:t>github.com</a:t>
+            </a:r>
+            <a:r>
+              <a:rPr lang="en-US" sz="2900" dirty="0"/>
+              <a:t>/zweiss22/</a:t>
+            </a:r>
+            <a:r>
+              <a:rPr lang="en-US" sz="2900" dirty="0" err="1"/>
+              <a:t>proj-population_dynamics_ligase</a:t>
+            </a:r>
+            <a:r>
+              <a:rPr lang="en-US" sz="2900" dirty="0"/>
+              <a:t>/blob/main/scripts/050-doped_selection/003_alternative_bps.py</a:t>
+            </a:r>
+            <a:br>
+              <a:rPr lang="en-US" sz="2900" dirty="0"/>
+            </a:br>
+            <a:endParaRPr lang="en-US" sz="2900" dirty="0"/>
+          </a:p>
+        </p:txBody>
+      </p:sp>
+    </p:spTree>
+    <p:extLst>
+      <p:ext uri="{BB962C8B-B14F-4D97-AF65-F5344CB8AC3E}">
+        <p14:creationId xmlns:p14="http://schemas.microsoft.com/office/powerpoint/2010/main" val="693826690"/>
+      </p:ext>
+    </p:extLst>
+  </p:cSld>
+  <p:clrMapOvr>
+    <a:masterClrMapping/>
+  </p:clrMapOvr>
+</p:sld>
+</file>
+
+<file path=ppt/slides/slide12.xml><?xml version="1.0" encoding="utf-8"?>
+<p:sld xmlns:a="http://schemas.openxmlformats.org/drawingml/2006/main" xmlns:r="http://schemas.openxmlformats.org/officeDocument/2006/relationships" xmlns:p="http://schemas.openxmlformats.org/presentationml/2006/main">
+  <p:cSld>
+    <p:spTree>
+      <p:nvGrpSpPr>
+        <p:cNvPr id="1" name=""/>
+        <p:cNvGrpSpPr/>
+        <p:nvPr/>
+      </p:nvGrpSpPr>
+      <p:grpSpPr>
+        <a:xfrm>
+          <a:off x="0" y="0"/>
+          <a:ext cx="0" cy="0"/>
+          <a:chOff x="0" y="0"/>
+          <a:chExt cx="0" cy="0"/>
+        </a:xfrm>
+      </p:grpSpPr>
       <p:sp>
         <p:nvSpPr>
           <p:cNvPr id="2" name="Title 1">
@@ -3651,7 +3901,7 @@
           <a:lstStyle/>
           <a:p>
             <a:r>
-              <a:rPr lang="en-US" b="1" dirty="0">
+              <a:rPr lang="en-US" dirty="0">
                 <a:effectLst/>
                 <a:latin typeface="Helvetica Neue" panose="02000503000000020004" pitchFamily="2" charset="0"/>
               </a:rPr>
@@ -3670,35 +3920,35 @@
           </a:p>
           <a:p>
             <a:r>
-              <a:rPr lang="en-US" b="1" dirty="0">
+              <a:rPr lang="en-US" dirty="0">
                 <a:effectLst/>
                 <a:latin typeface="Helvetica Neue" panose="02000503000000020004" pitchFamily="2" charset="0"/>
               </a:rPr>
               <a:t>Is </a:t>
             </a:r>
             <a:r>
-              <a:rPr lang="en-US" b="1" dirty="0" err="1">
+              <a:rPr lang="en-US" dirty="0" err="1">
                 <a:effectLst/>
                 <a:latin typeface="Helvetica Neue" panose="02000503000000020004" pitchFamily="2" charset="0"/>
               </a:rPr>
               <a:t>clustal</a:t>
             </a:r>
             <a:r>
-              <a:rPr lang="en-US" b="1" dirty="0">
+              <a:rPr lang="en-US" dirty="0">
                 <a:effectLst/>
                 <a:latin typeface="Helvetica Neue" panose="02000503000000020004" pitchFamily="2" charset="0"/>
               </a:rPr>
               <a:t> omega ok </a:t>
             </a:r>
             <a:r>
-              <a:rPr lang="en-US" b="1" dirty="0" err="1">
+              <a:rPr lang="en-US" dirty="0" err="1">
                 <a:effectLst/>
                 <a:latin typeface="Helvetica Neue" panose="02000503000000020004" pitchFamily="2" charset="0"/>
               </a:rPr>
               <a:t>bc</a:t>
             </a:r>
             <a:r>
-              <a:rPr lang="en-US" b="1" dirty="0">
+              <a:rPr lang="en-US" dirty="0">
                 <a:effectLst/>
                 <a:latin typeface="Helvetica Neue" panose="02000503000000020004" pitchFamily="2" charset="0"/>
               </a:rPr>
@@ -4473,7 +4723,7 @@
         </p:nvSpPr>
         <p:spPr>
           <a:xfrm>
-            <a:off x="665190" y="924542"/>
+            <a:off x="620945" y="364103"/>
             <a:ext cx="10515600" cy="1860400"/>
           </a:xfrm>
         </p:spPr>
@@ -4492,7 +4742,7 @@
                 <a:ea typeface="+mj-ea"/>
                 <a:cs typeface="+mj-cs"/>
               </a:rPr>
-              <a:t>Figure 3</a:t>
+              <a:t>Figure 3 (log counts – don’t love this metric)</a:t>
             </a:r>
             <a:br>
               <a:rPr lang="en-US" sz="2900" kern="1200" dirty="0">
@@ -4513,38 +4763,62 @@
                 <a:ea typeface="+mj-ea"/>
                 <a:cs typeface="+mj-cs"/>
               </a:rPr>
-              <a:t>Data:</a:t>
-            </a:r>
-            <a:br>
-              <a:rPr lang="en-US" sz="2900" kern="1200" dirty="0">
-                <a:solidFill>
-                  <a:schemeClr val="tx1"/>
-                </a:solidFill>
-                <a:latin typeface="+mj-lt"/>
-                <a:ea typeface="+mj-ea"/>
-                <a:cs typeface="+mj-cs"/>
-              </a:rPr>
-            </a:br>
-            <a:br>
-              <a:rPr lang="en-US" sz="2900" kern="1200" dirty="0">
-                <a:solidFill>
-                  <a:schemeClr val="tx1"/>
-                </a:solidFill>
-                <a:latin typeface="+mj-lt"/>
-                <a:ea typeface="+mj-ea"/>
-                <a:cs typeface="+mj-cs"/>
-              </a:rPr>
-            </a:br>
-            <a:r>
-              <a:rPr lang="en-US" sz="2900" kern="1200" dirty="0">
-                <a:solidFill>
-                  <a:schemeClr val="tx1"/>
-                </a:solidFill>
-                <a:latin typeface="+mj-lt"/>
-                <a:ea typeface="+mj-ea"/>
-                <a:cs typeface="+mj-cs"/>
-              </a:rPr>
-              <a:t>Code:</a:t>
+              <a:t>Code: https://</a:t>
+            </a:r>
+            <a:r>
+              <a:rPr lang="en-US" sz="2900" kern="1200" dirty="0" err="1">
+                <a:solidFill>
+                  <a:schemeClr val="tx1"/>
+                </a:solidFill>
+                <a:latin typeface="+mj-lt"/>
+                <a:ea typeface="+mj-ea"/>
+                <a:cs typeface="+mj-cs"/>
+              </a:rPr>
+              <a:t>github.com</a:t>
+            </a:r>
+            <a:r>
+              <a:rPr lang="en-US" sz="2900" kern="1200" dirty="0">
+                <a:solidFill>
+                  <a:schemeClr val="tx1"/>
+                </a:solidFill>
+                <a:latin typeface="+mj-lt"/>
+                <a:ea typeface="+mj-ea"/>
+                <a:cs typeface="+mj-cs"/>
+              </a:rPr>
+              <a:t>/zweiss22/</a:t>
+            </a:r>
+            <a:r>
+              <a:rPr lang="en-US" sz="2900" kern="1200" dirty="0" err="1">
+                <a:solidFill>
+                  <a:schemeClr val="tx1"/>
+                </a:solidFill>
+                <a:latin typeface="+mj-lt"/>
+                <a:ea typeface="+mj-ea"/>
+                <a:cs typeface="+mj-cs"/>
+              </a:rPr>
+              <a:t>proj-population_dynamics_ligase</a:t>
+            </a:r>
+            <a:r>
+              <a:rPr lang="en-US" sz="2900" kern="1200" dirty="0">
+                <a:solidFill>
+                  <a:schemeClr val="tx1"/>
+                </a:solidFill>
+                <a:latin typeface="+mj-lt"/>
+                <a:ea typeface="+mj-ea"/>
+                <a:cs typeface="+mj-cs"/>
+              </a:rPr>
+              <a:t>/blob/main/scripts/020_enrichment/</a:t>
+            </a:r>
+            <a:r>
+              <a:rPr lang="en-US" sz="2900" kern="1200" dirty="0" err="1">
+                <a:solidFill>
+                  <a:schemeClr val="tx1"/>
+                </a:solidFill>
+                <a:latin typeface="+mj-lt"/>
+                <a:ea typeface="+mj-ea"/>
+                <a:cs typeface="+mj-cs"/>
+              </a:rPr>
+              <a:t>plot_round_enrichment.py</a:t>
             </a:r>
             <a:br>
               <a:rPr lang="en-US" sz="2900" kern="1200" dirty="0">
@@ -4567,6 +4841,36 @@
           </a:p>
         </p:txBody>
       </p:sp>
+      <p:pic>
+        <p:nvPicPr>
+          <p:cNvPr id="4" name="Picture 3">
+            <a:extLst>
+              <a:ext uri="{FF2B5EF4-FFF2-40B4-BE49-F238E27FC236}">
+                <a16:creationId xmlns:a16="http://schemas.microsoft.com/office/drawing/2014/main" id="{192730A7-F13A-C80E-F483-B3C68088F267}"/>
+              </a:ext>
+            </a:extLst>
+          </p:cNvPr>
+          <p:cNvPicPr>
+            <a:picLocks noChangeAspect="1"/>
+          </p:cNvPicPr>
+          <p:nvPr/>
+        </p:nvPicPr>
+        <p:blipFill>
+          <a:blip r:embed="rId2"/>
+          <a:stretch>
+            <a:fillRect/>
+          </a:stretch>
+        </p:blipFill>
+        <p:spPr>
+          <a:xfrm>
+            <a:off x="1992545" y="2212564"/>
+            <a:ext cx="7772400" cy="4281333"/>
+          </a:xfrm>
+          <a:prstGeom prst="rect">
+            <a:avLst/>
+          </a:prstGeom>
+        </p:spPr>
+      </p:pic>
     </p:spTree>
     <p:extLst>
       <p:ext uri="{BB962C8B-B14F-4D97-AF65-F5344CB8AC3E}">
@@ -4581,6 +4885,202 @@
 </file>
 
 <file path=ppt/slides/slide6.xml><?xml version="1.0" encoding="utf-8"?>
+<p:sld xmlns:a="http://schemas.openxmlformats.org/drawingml/2006/main" xmlns:r="http://schemas.openxmlformats.org/officeDocument/2006/relationships" xmlns:p="http://schemas.openxmlformats.org/presentationml/2006/main">
+  <p:cSld>
+    <p:spTree>
+      <p:nvGrpSpPr>
+        <p:cNvPr id="1" name=""/>
+        <p:cNvGrpSpPr/>
+        <p:nvPr/>
+      </p:nvGrpSpPr>
+      <p:grpSpPr>
+        <a:xfrm>
+          <a:off x="0" y="0"/>
+          <a:ext cx="0" cy="0"/>
+          <a:chOff x="0" y="0"/>
+          <a:chExt cx="0" cy="0"/>
+        </a:xfrm>
+      </p:grpSpPr>
+      <p:sp>
+        <p:nvSpPr>
+          <p:cNvPr id="2" name="Title 1">
+            <a:extLst>
+              <a:ext uri="{FF2B5EF4-FFF2-40B4-BE49-F238E27FC236}">
+                <a16:creationId xmlns:a16="http://schemas.microsoft.com/office/drawing/2014/main" id="{B2367F3F-B850-D241-DA2C-5FD3ADDA92A4}"/>
+              </a:ext>
+            </a:extLst>
+          </p:cNvPr>
+          <p:cNvSpPr>
+            <a:spLocks noGrp="1"/>
+          </p:cNvSpPr>
+          <p:nvPr>
+            <p:ph type="title"/>
+          </p:nvPr>
+        </p:nvSpPr>
+        <p:spPr>
+          <a:xfrm>
+            <a:off x="620945" y="364103"/>
+            <a:ext cx="10515600" cy="1860400"/>
+          </a:xfrm>
+        </p:spPr>
+        <p:txBody>
+          <a:bodyPr vert="horz" lIns="91440" tIns="45720" rIns="91440" bIns="45720" rtlCol="0" anchor="ctr">
+            <a:normAutofit fontScale="90000"/>
+          </a:bodyPr>
+          <a:lstStyle/>
+          <a:p>
+            <a:r>
+              <a:rPr lang="en-US" sz="2900" kern="1200" dirty="0">
+                <a:solidFill>
+                  <a:schemeClr val="tx1"/>
+                </a:solidFill>
+                <a:latin typeface="+mj-lt"/>
+                <a:ea typeface="+mj-ea"/>
+                <a:cs typeface="+mj-cs"/>
+              </a:rPr>
+              <a:t>Figure 3 (log(counts/mean(counts)))</a:t>
+            </a:r>
+            <a:br>
+              <a:rPr lang="en-US" sz="2900" kern="1200" dirty="0">
+                <a:solidFill>
+                  <a:schemeClr val="tx1"/>
+                </a:solidFill>
+                <a:latin typeface="+mj-lt"/>
+                <a:ea typeface="+mj-ea"/>
+                <a:cs typeface="+mj-cs"/>
+              </a:rPr>
+            </a:br>
+            <a:r>
+              <a:rPr lang="en-US" sz="2900" kern="1200" dirty="0">
+                <a:solidFill>
+                  <a:schemeClr val="tx1"/>
+                </a:solidFill>
+                <a:latin typeface="+mj-lt"/>
+                <a:ea typeface="+mj-ea"/>
+                <a:cs typeface="+mj-cs"/>
+              </a:rPr>
+              <a:t>Code: https://</a:t>
+            </a:r>
+            <a:r>
+              <a:rPr lang="en-US" sz="2900" kern="1200" dirty="0" err="1">
+                <a:solidFill>
+                  <a:schemeClr val="tx1"/>
+                </a:solidFill>
+                <a:latin typeface="+mj-lt"/>
+                <a:ea typeface="+mj-ea"/>
+                <a:cs typeface="+mj-cs"/>
+              </a:rPr>
+              <a:t>github.com</a:t>
+            </a:r>
+            <a:r>
+              <a:rPr lang="en-US" sz="2900" kern="1200" dirty="0">
+                <a:solidFill>
+                  <a:schemeClr val="tx1"/>
+                </a:solidFill>
+                <a:latin typeface="+mj-lt"/>
+                <a:ea typeface="+mj-ea"/>
+                <a:cs typeface="+mj-cs"/>
+              </a:rPr>
+              <a:t>/zweiss22/</a:t>
+            </a:r>
+            <a:r>
+              <a:rPr lang="en-US" sz="2900" kern="1200" dirty="0" err="1">
+                <a:solidFill>
+                  <a:schemeClr val="tx1"/>
+                </a:solidFill>
+                <a:latin typeface="+mj-lt"/>
+                <a:ea typeface="+mj-ea"/>
+                <a:cs typeface="+mj-cs"/>
+              </a:rPr>
+              <a:t>proj-population_dynamics_ligase</a:t>
+            </a:r>
+            <a:r>
+              <a:rPr lang="en-US" sz="2900" kern="1200" dirty="0">
+                <a:solidFill>
+                  <a:schemeClr val="tx1"/>
+                </a:solidFill>
+                <a:latin typeface="+mj-lt"/>
+                <a:ea typeface="+mj-ea"/>
+                <a:cs typeface="+mj-cs"/>
+              </a:rPr>
+              <a:t>/blob/main/scripts/020_enrichment/</a:t>
+            </a:r>
+            <a:r>
+              <a:rPr lang="en-US" sz="2900" kern="1200" dirty="0" err="1">
+                <a:solidFill>
+                  <a:schemeClr val="tx1"/>
+                </a:solidFill>
+                <a:latin typeface="+mj-lt"/>
+                <a:ea typeface="+mj-ea"/>
+                <a:cs typeface="+mj-cs"/>
+              </a:rPr>
+              <a:t>plot_round_enrichment.py</a:t>
+            </a:r>
+            <a:br>
+              <a:rPr lang="en-US" sz="2900" kern="1200" dirty="0">
+                <a:solidFill>
+                  <a:schemeClr val="tx1"/>
+                </a:solidFill>
+                <a:latin typeface="+mj-lt"/>
+                <a:ea typeface="+mj-ea"/>
+                <a:cs typeface="+mj-cs"/>
+              </a:rPr>
+            </a:br>
+            <a:endParaRPr lang="en-US" sz="2900" kern="1200" dirty="0">
+              <a:solidFill>
+                <a:schemeClr val="tx1"/>
+              </a:solidFill>
+              <a:latin typeface="+mj-lt"/>
+              <a:ea typeface="+mj-ea"/>
+              <a:cs typeface="+mj-cs"/>
+            </a:endParaRPr>
+          </a:p>
+        </p:txBody>
+      </p:sp>
+      <p:pic>
+        <p:nvPicPr>
+          <p:cNvPr id="3" name="Picture 2">
+            <a:extLst>
+              <a:ext uri="{FF2B5EF4-FFF2-40B4-BE49-F238E27FC236}">
+                <a16:creationId xmlns:a16="http://schemas.microsoft.com/office/drawing/2014/main" id="{34982FA4-EAB9-2743-2254-0D2A11FF239C}"/>
+              </a:ext>
+            </a:extLst>
+          </p:cNvPr>
+          <p:cNvPicPr>
+            <a:picLocks noChangeAspect="1"/>
+          </p:cNvPicPr>
+          <p:nvPr/>
+        </p:nvPicPr>
+        <p:blipFill>
+          <a:blip r:embed="rId2"/>
+          <a:stretch>
+            <a:fillRect/>
+          </a:stretch>
+        </p:blipFill>
+        <p:spPr>
+          <a:xfrm>
+            <a:off x="1992545" y="2183669"/>
+            <a:ext cx="7772400" cy="4310228"/>
+          </a:xfrm>
+          <a:prstGeom prst="rect">
+            <a:avLst/>
+          </a:prstGeom>
+        </p:spPr>
+      </p:pic>
+    </p:spTree>
+    <p:extLst>
+      <p:ext uri="{BB962C8B-B14F-4D97-AF65-F5344CB8AC3E}">
+        <p14:creationId xmlns:p14="http://schemas.microsoft.com/office/powerpoint/2010/main" val="288060030"/>
+      </p:ext>
+    </p:extLst>
+  </p:cSld>
+  <p:clrMapOvr>
+    <a:masterClrMapping/>
+  </p:clrMapOvr>
+</p:sld>
+</file>
+
+<file path=ppt/slides/slide7.xml><?xml version="1.0" encoding="utf-8"?>
 <p:sld xmlns:a="http://schemas.openxmlformats.org/drawingml/2006/main" xmlns:r="http://schemas.openxmlformats.org/officeDocument/2006/relationships" xmlns:p="http://schemas.openxmlformats.org/presentationml/2006/main">
   <p:cSld>
     <p:spTree>
@@ -4983,7 +5483,7 @@
 </p:sld>
 </file>
 
-<file path=ppt/slides/slide7.xml><?xml version="1.0" encoding="utf-8"?>
+<file path=ppt/slides/slide8.xml><?xml version="1.0" encoding="utf-8"?>
 <p:sld xmlns:a="http://schemas.openxmlformats.org/drawingml/2006/main" xmlns:r="http://schemas.openxmlformats.org/officeDocument/2006/relationships" xmlns:p="http://schemas.openxmlformats.org/presentationml/2006/main">
   <p:cSld>
     <p:spTree>
@@ -5394,288 +5894,6 @@
     <p:extLst>
       <p:ext uri="{BB962C8B-B14F-4D97-AF65-F5344CB8AC3E}">
         <p14:creationId xmlns:p14="http://schemas.microsoft.com/office/powerpoint/2010/main" val="1665013343"/>
-      </p:ext>
-    </p:extLst>
-  </p:cSld>
-  <p:clrMapOvr>
-    <a:masterClrMapping/>
-  </p:clrMapOvr>
-</p:sld>
-</file>
-
-<file path=ppt/slides/slide8.xml><?xml version="1.0" encoding="utf-8"?>
-<p:sld xmlns:a="http://schemas.openxmlformats.org/drawingml/2006/main" xmlns:r="http://schemas.openxmlformats.org/officeDocument/2006/relationships" xmlns:p="http://schemas.openxmlformats.org/presentationml/2006/main">
-  <p:cSld>
-    <p:spTree>
-      <p:nvGrpSpPr>
-        <p:cNvPr id="1" name=""/>
-        <p:cNvGrpSpPr/>
-        <p:nvPr/>
-      </p:nvGrpSpPr>
-      <p:grpSpPr>
-        <a:xfrm>
-          <a:off x="0" y="0"/>
-          <a:ext cx="0" cy="0"/>
-          <a:chOff x="0" y="0"/>
-          <a:chExt cx="0" cy="0"/>
-        </a:xfrm>
-      </p:grpSpPr>
-      <p:sp>
-        <p:nvSpPr>
-          <p:cNvPr id="2" name="Title 1">
-            <a:extLst>
-              <a:ext uri="{FF2B5EF4-FFF2-40B4-BE49-F238E27FC236}">
-                <a16:creationId xmlns:a16="http://schemas.microsoft.com/office/drawing/2014/main" id="{B2367F3F-B850-D241-DA2C-5FD3ADDA92A4}"/>
-              </a:ext>
-            </a:extLst>
-          </p:cNvPr>
-          <p:cNvSpPr>
-            <a:spLocks noGrp="1"/>
-          </p:cNvSpPr>
-          <p:nvPr>
-            <p:ph type="title"/>
-          </p:nvPr>
-        </p:nvSpPr>
-        <p:spPr>
-          <a:xfrm>
-            <a:off x="0" y="523013"/>
-            <a:ext cx="12192000" cy="1860400"/>
-          </a:xfrm>
-        </p:spPr>
-        <p:txBody>
-          <a:bodyPr vert="horz" lIns="91440" tIns="45720" rIns="91440" bIns="45720" rtlCol="0" anchor="ctr">
-            <a:normAutofit fontScale="90000"/>
-          </a:bodyPr>
-          <a:lstStyle/>
-          <a:p>
-            <a:r>
-              <a:rPr lang="en-US" sz="2900" kern="1200" dirty="0">
-                <a:solidFill>
-                  <a:schemeClr val="tx1"/>
-                </a:solidFill>
-                <a:latin typeface="+mj-lt"/>
-                <a:ea typeface="+mj-ea"/>
-                <a:cs typeface="+mj-cs"/>
-              </a:rPr>
-              <a:t>Figure 5</a:t>
-            </a:r>
-            <a:br>
-              <a:rPr lang="en-US" sz="2900" kern="1200" dirty="0">
-                <a:solidFill>
-                  <a:schemeClr val="tx1"/>
-                </a:solidFill>
-                <a:latin typeface="+mj-lt"/>
-                <a:ea typeface="+mj-ea"/>
-                <a:cs typeface="+mj-cs"/>
-              </a:rPr>
-            </a:br>
-            <a:r>
-              <a:rPr lang="en-US" sz="2900" kern="1200" dirty="0">
-                <a:solidFill>
-                  <a:schemeClr val="tx1"/>
-                </a:solidFill>
-                <a:latin typeface="+mj-lt"/>
-                <a:ea typeface="+mj-ea"/>
-                <a:cs typeface="+mj-cs"/>
-              </a:rPr>
-              <a:t>Data: https://</a:t>
-            </a:r>
-            <a:r>
-              <a:rPr lang="en-US" sz="2900" kern="1200" dirty="0" err="1">
-                <a:solidFill>
-                  <a:schemeClr val="tx1"/>
-                </a:solidFill>
-                <a:latin typeface="+mj-lt"/>
-                <a:ea typeface="+mj-ea"/>
-                <a:cs typeface="+mj-cs"/>
-              </a:rPr>
-              <a:t>github.com</a:t>
-            </a:r>
-            <a:r>
-              <a:rPr lang="en-US" sz="2900" kern="1200" dirty="0">
-                <a:solidFill>
-                  <a:schemeClr val="tx1"/>
-                </a:solidFill>
-                <a:latin typeface="+mj-lt"/>
-                <a:ea typeface="+mj-ea"/>
-                <a:cs typeface="+mj-cs"/>
-              </a:rPr>
-              <a:t>/zweiss22/</a:t>
-            </a:r>
-            <a:r>
-              <a:rPr lang="en-US" sz="2900" kern="1200" dirty="0" err="1">
-                <a:solidFill>
-                  <a:schemeClr val="tx1"/>
-                </a:solidFill>
-                <a:latin typeface="+mj-lt"/>
-                <a:ea typeface="+mj-ea"/>
-                <a:cs typeface="+mj-cs"/>
-              </a:rPr>
-              <a:t>proj-population_dynamics_ligase</a:t>
-            </a:r>
-            <a:r>
-              <a:rPr lang="en-US" sz="2900" kern="1200" dirty="0">
-                <a:solidFill>
-                  <a:schemeClr val="tx1"/>
-                </a:solidFill>
-                <a:latin typeface="+mj-lt"/>
-                <a:ea typeface="+mj-ea"/>
-                <a:cs typeface="+mj-cs"/>
-              </a:rPr>
-              <a:t>/blob/main/scripts/040_overhang/</a:t>
-            </a:r>
-            <a:r>
-              <a:rPr lang="en-US" sz="2900" kern="1200" dirty="0" err="1">
-                <a:solidFill>
-                  <a:schemeClr val="tx1"/>
-                </a:solidFill>
-                <a:latin typeface="+mj-lt"/>
-                <a:ea typeface="+mj-ea"/>
-                <a:cs typeface="+mj-cs"/>
-              </a:rPr>
-              <a:t>overhang_fractions.csv</a:t>
-            </a:r>
-            <a:br>
-              <a:rPr lang="en-US" sz="2900" kern="1200" dirty="0">
-                <a:solidFill>
-                  <a:schemeClr val="tx1"/>
-                </a:solidFill>
-                <a:latin typeface="+mj-lt"/>
-                <a:ea typeface="+mj-ea"/>
-                <a:cs typeface="+mj-cs"/>
-              </a:rPr>
-            </a:br>
-            <a:br>
-              <a:rPr lang="en-US" sz="2900" kern="1200" dirty="0">
-                <a:solidFill>
-                  <a:schemeClr val="tx1"/>
-                </a:solidFill>
-                <a:latin typeface="+mj-lt"/>
-                <a:ea typeface="+mj-ea"/>
-                <a:cs typeface="+mj-cs"/>
-              </a:rPr>
-            </a:br>
-            <a:r>
-              <a:rPr lang="en-US" sz="2900" kern="1200" dirty="0">
-                <a:solidFill>
-                  <a:schemeClr val="tx1"/>
-                </a:solidFill>
-                <a:latin typeface="+mj-lt"/>
-                <a:ea typeface="+mj-ea"/>
-                <a:cs typeface="+mj-cs"/>
-              </a:rPr>
-              <a:t>Code: https://</a:t>
-            </a:r>
-            <a:r>
-              <a:rPr lang="en-US" sz="2900" kern="1200" dirty="0" err="1">
-                <a:solidFill>
-                  <a:schemeClr val="tx1"/>
-                </a:solidFill>
-                <a:latin typeface="+mj-lt"/>
-                <a:ea typeface="+mj-ea"/>
-                <a:cs typeface="+mj-cs"/>
-              </a:rPr>
-              <a:t>github.com</a:t>
-            </a:r>
-            <a:r>
-              <a:rPr lang="en-US" sz="2900" kern="1200" dirty="0">
-                <a:solidFill>
-                  <a:schemeClr val="tx1"/>
-                </a:solidFill>
-                <a:latin typeface="+mj-lt"/>
-                <a:ea typeface="+mj-ea"/>
-                <a:cs typeface="+mj-cs"/>
-              </a:rPr>
-              <a:t>/zweiss22/</a:t>
-            </a:r>
-            <a:r>
-              <a:rPr lang="en-US" sz="2900" kern="1200" dirty="0" err="1">
-                <a:solidFill>
-                  <a:schemeClr val="tx1"/>
-                </a:solidFill>
-                <a:latin typeface="+mj-lt"/>
-                <a:ea typeface="+mj-ea"/>
-                <a:cs typeface="+mj-cs"/>
-              </a:rPr>
-              <a:t>proj-population_dynamics_ligase</a:t>
-            </a:r>
-            <a:r>
-              <a:rPr lang="en-US" sz="2900" kern="1200" dirty="0">
-                <a:solidFill>
-                  <a:schemeClr val="tx1"/>
-                </a:solidFill>
-                <a:latin typeface="+mj-lt"/>
-                <a:ea typeface="+mj-ea"/>
-                <a:cs typeface="+mj-cs"/>
-              </a:rPr>
-              <a:t>/blob/main/scripts/040_overhang/</a:t>
-            </a:r>
-            <a:r>
-              <a:rPr lang="en-US" sz="2900" kern="1200" dirty="0" err="1">
-                <a:solidFill>
-                  <a:schemeClr val="tx1"/>
-                </a:solidFill>
-                <a:latin typeface="+mj-lt"/>
-                <a:ea typeface="+mj-ea"/>
-                <a:cs typeface="+mj-cs"/>
-              </a:rPr>
-              <a:t>overhang_track.py</a:t>
-            </a:r>
-            <a:br>
-              <a:rPr lang="en-US" sz="2900" kern="1200" dirty="0">
-                <a:solidFill>
-                  <a:schemeClr val="tx1"/>
-                </a:solidFill>
-                <a:latin typeface="+mj-lt"/>
-                <a:ea typeface="+mj-ea"/>
-                <a:cs typeface="+mj-cs"/>
-              </a:rPr>
-            </a:br>
-            <a:endParaRPr lang="en-US" sz="2900" kern="1200" dirty="0">
-              <a:solidFill>
-                <a:schemeClr val="tx1"/>
-              </a:solidFill>
-              <a:latin typeface="+mj-lt"/>
-              <a:ea typeface="+mj-ea"/>
-              <a:cs typeface="+mj-cs"/>
-            </a:endParaRPr>
-          </a:p>
-        </p:txBody>
-      </p:sp>
-      <p:pic>
-        <p:nvPicPr>
-          <p:cNvPr id="4" name="Picture 3" descr="A graph with orange line and blue line&#10;&#10;Description automatically generated">
-            <a:extLst>
-              <a:ext uri="{FF2B5EF4-FFF2-40B4-BE49-F238E27FC236}">
-                <a16:creationId xmlns:a16="http://schemas.microsoft.com/office/drawing/2014/main" id="{2B1D39B6-8F2E-6A96-9A06-75646E673EC3}"/>
-              </a:ext>
-            </a:extLst>
-          </p:cNvPr>
-          <p:cNvPicPr>
-            <a:picLocks noChangeAspect="1"/>
-          </p:cNvPicPr>
-          <p:nvPr/>
-        </p:nvPicPr>
-        <p:blipFill>
-          <a:blip r:embed="rId2"/>
-          <a:stretch>
-            <a:fillRect/>
-          </a:stretch>
-        </p:blipFill>
-        <p:spPr>
-          <a:xfrm>
-            <a:off x="2641454" y="2485013"/>
-            <a:ext cx="6909091" cy="4230974"/>
-          </a:xfrm>
-          <a:prstGeom prst="rect">
-            <a:avLst/>
-          </a:prstGeom>
-        </p:spPr>
-      </p:pic>
-    </p:spTree>
-    <p:extLst>
-      <p:ext uri="{BB962C8B-B14F-4D97-AF65-F5344CB8AC3E}">
-        <p14:creationId xmlns:p14="http://schemas.microsoft.com/office/powerpoint/2010/main" val="2585467227"/>
       </p:ext>
     </p:extLst>
   </p:cSld>
@@ -5739,7 +5957,7 @@
                 <a:ea typeface="+mj-ea"/>
                 <a:cs typeface="+mj-cs"/>
               </a:rPr>
-              <a:t>Figure 6</a:t>
+              <a:t>Figure 5</a:t>
             </a:r>
             <a:br>
               <a:rPr lang="en-US" sz="2900" kern="1200" dirty="0">
@@ -5760,28 +5978,7 @@
                 <a:ea typeface="+mj-ea"/>
                 <a:cs typeface="+mj-cs"/>
               </a:rPr>
-              <a:t>Data: </a:t>
-            </a:r>
-            <a:br>
-              <a:rPr lang="en-US" sz="2900" kern="1200" dirty="0">
-                <a:solidFill>
-                  <a:schemeClr val="tx1"/>
-                </a:solidFill>
-                <a:latin typeface="+mj-lt"/>
-                <a:ea typeface="+mj-ea"/>
-                <a:cs typeface="+mj-cs"/>
-              </a:rPr>
-            </a:br>
-            <a:r>
-              <a:rPr lang="en-US" sz="2900" kern="1200" dirty="0">
-                <a:solidFill>
-                  <a:schemeClr val="tx1"/>
-                </a:solidFill>
-                <a:latin typeface="+mj-lt"/>
-                <a:ea typeface="+mj-ea"/>
-                <a:cs typeface="+mj-cs"/>
-              </a:rPr>
-              <a:t>Code: https://</a:t>
+              <a:t>Data: https://</a:t>
             </a:r>
             <a:r>
               <a:rPr lang="en-US" sz="2900" kern="1200" dirty="0" err="1">
@@ -5825,7 +6022,18 @@
                 <a:ea typeface="+mj-ea"/>
                 <a:cs typeface="+mj-cs"/>
               </a:rPr>
-              <a:t>/blob/main/scripts/050-doped_selection/002_conservation_doped_slxn.py</a:t>
+              <a:t>/blob/main/scripts/040_overhang/</a:t>
+            </a:r>
+            <a:r>
+              <a:rPr lang="en-US" sz="2900" kern="1200" dirty="0" err="1">
+                <a:solidFill>
+                  <a:schemeClr val="tx1"/>
+                </a:solidFill>
+                <a:latin typeface="+mj-lt"/>
+                <a:ea typeface="+mj-ea"/>
+                <a:cs typeface="+mj-cs"/>
+              </a:rPr>
+              <a:t>overhang_fractions.csv</a:t>
             </a:r>
             <a:br>
               <a:rPr lang="en-US" sz="2900" kern="1200" dirty="0">
@@ -5856,17 +6064,90 @@
                 <a:ea typeface="+mj-ea"/>
                 <a:cs typeface="+mj-cs"/>
               </a:rPr>
-              <a:t>seqs: r3 doped selection, greater than 10 reads</a:t>
-            </a:r>
+              <a:t>Code: https://</a:t>
+            </a:r>
+            <a:r>
+              <a:rPr lang="en-US" sz="2900" kern="1200" dirty="0" err="1">
+                <a:solidFill>
+                  <a:schemeClr val="tx1"/>
+                </a:solidFill>
+                <a:latin typeface="+mj-lt"/>
+                <a:ea typeface="+mj-ea"/>
+                <a:cs typeface="+mj-cs"/>
+              </a:rPr>
+              <a:t>github.com</a:t>
+            </a:r>
+            <a:r>
+              <a:rPr lang="en-US" sz="2900" kern="1200" dirty="0">
+                <a:solidFill>
+                  <a:schemeClr val="tx1"/>
+                </a:solidFill>
+                <a:latin typeface="+mj-lt"/>
+                <a:ea typeface="+mj-ea"/>
+                <a:cs typeface="+mj-cs"/>
+              </a:rPr>
+              <a:t>/zweiss22/</a:t>
+            </a:r>
+            <a:r>
+              <a:rPr lang="en-US" sz="2900" kern="1200" dirty="0" err="1">
+                <a:solidFill>
+                  <a:schemeClr val="tx1"/>
+                </a:solidFill>
+                <a:latin typeface="+mj-lt"/>
+                <a:ea typeface="+mj-ea"/>
+                <a:cs typeface="+mj-cs"/>
+              </a:rPr>
+              <a:t>proj-population_dynamics_ligase</a:t>
+            </a:r>
+            <a:r>
+              <a:rPr lang="en-US" sz="2900" kern="1200" dirty="0">
+                <a:solidFill>
+                  <a:schemeClr val="tx1"/>
+                </a:solidFill>
+                <a:latin typeface="+mj-lt"/>
+                <a:ea typeface="+mj-ea"/>
+                <a:cs typeface="+mj-cs"/>
+              </a:rPr>
+              <a:t>/blob/main/scripts/040_overhang/</a:t>
+            </a:r>
+            <a:r>
+              <a:rPr lang="en-US" sz="2900" kern="1200" dirty="0" err="1">
+                <a:solidFill>
+                  <a:schemeClr val="tx1"/>
+                </a:solidFill>
+                <a:latin typeface="+mj-lt"/>
+                <a:ea typeface="+mj-ea"/>
+                <a:cs typeface="+mj-cs"/>
+              </a:rPr>
+              <a:t>overhang_track.py</a:t>
+            </a:r>
+            <a:br>
+              <a:rPr lang="en-US" sz="2900" kern="1200" dirty="0">
+                <a:solidFill>
+                  <a:schemeClr val="tx1"/>
+                </a:solidFill>
+                <a:latin typeface="+mj-lt"/>
+                <a:ea typeface="+mj-ea"/>
+                <a:cs typeface="+mj-cs"/>
+              </a:rPr>
+            </a:br>
+            <a:endParaRPr lang="en-US" sz="2900" kern="1200" dirty="0">
+              <a:solidFill>
+                <a:schemeClr val="tx1"/>
+              </a:solidFill>
+              <a:latin typeface="+mj-lt"/>
+              <a:ea typeface="+mj-ea"/>
+              <a:cs typeface="+mj-cs"/>
+            </a:endParaRPr>
           </a:p>
         </p:txBody>
       </p:sp>
       <p:pic>
         <p:nvPicPr>
-          <p:cNvPr id="8" name="Picture 7" descr="A screenshot of a computer&#10;&#10;Description automatically generated">
-            <a:extLst>
-              <a:ext uri="{FF2B5EF4-FFF2-40B4-BE49-F238E27FC236}">
-                <a16:creationId xmlns:a16="http://schemas.microsoft.com/office/drawing/2014/main" id="{26C96F9B-5F2D-E316-02CE-337C384B9C9B}"/>
+          <p:cNvPr id="4" name="Picture 3" descr="A graph with orange line and blue line&#10;&#10;Description automatically generated">
+            <a:extLst>
+              <a:ext uri="{FF2B5EF4-FFF2-40B4-BE49-F238E27FC236}">
+                <a16:creationId xmlns:a16="http://schemas.microsoft.com/office/drawing/2014/main" id="{2B1D39B6-8F2E-6A96-9A06-75646E673EC3}"/>
               </a:ext>
             </a:extLst>
           </p:cNvPr>
@@ -5883,38 +6164,8 @@
         </p:blipFill>
         <p:spPr>
           <a:xfrm>
-            <a:off x="8613913" y="0"/>
-            <a:ext cx="3578087" cy="6858000"/>
-          </a:xfrm>
-          <a:prstGeom prst="rect">
-            <a:avLst/>
-          </a:prstGeom>
-        </p:spPr>
-      </p:pic>
-      <p:pic>
-        <p:nvPicPr>
-          <p:cNvPr id="9" name="Picture 8">
-            <a:extLst>
-              <a:ext uri="{FF2B5EF4-FFF2-40B4-BE49-F238E27FC236}">
-                <a16:creationId xmlns:a16="http://schemas.microsoft.com/office/drawing/2014/main" id="{F9F8ABAC-6366-7B9E-1ADB-5A0DADCDB757}"/>
-              </a:ext>
-            </a:extLst>
-          </p:cNvPr>
-          <p:cNvPicPr>
-            <a:picLocks noChangeAspect="1"/>
-          </p:cNvPicPr>
-          <p:nvPr/>
-        </p:nvPicPr>
-        <p:blipFill>
-          <a:blip r:embed="rId3"/>
-          <a:stretch>
-            <a:fillRect/>
-          </a:stretch>
-        </p:blipFill>
-        <p:spPr>
-          <a:xfrm>
-            <a:off x="0" y="3429000"/>
-            <a:ext cx="8563894" cy="1188221"/>
+            <a:off x="2641454" y="2485013"/>
+            <a:ext cx="6909091" cy="4230974"/>
           </a:xfrm>
           <a:prstGeom prst="rect">
             <a:avLst/>
@@ -5924,7 +6175,7 @@
     </p:spTree>
     <p:extLst>
       <p:ext uri="{BB962C8B-B14F-4D97-AF65-F5344CB8AC3E}">
-        <p14:creationId xmlns:p14="http://schemas.microsoft.com/office/powerpoint/2010/main" val="410989064"/>
+        <p14:creationId xmlns:p14="http://schemas.microsoft.com/office/powerpoint/2010/main" val="2585467227"/>
       </p:ext>
     </p:extLst>
   </p:cSld>
